--- a/Project 1 Presentation.pptx
+++ b/Project 1 Presentation.pptx
@@ -145,2313 +145,6 @@
 </p1510:revInfo>
 </file>
 
-<file path=ppt/changesInfos/changesInfo1.xml><?xml version="1.0" encoding="utf-8"?>
-<pc:chgInfo xmlns:a="http://schemas.openxmlformats.org/drawingml/2006/main" xmlns:r="http://schemas.openxmlformats.org/officeDocument/2006/relationships" xmlns:ac="http://schemas.microsoft.com/office/drawing/2013/main/command" xmlns:pc="http://schemas.microsoft.com/office/powerpoint/2013/main/command">
-  <pc:docChgLst>
-    <pc:chgData name="Guest User" providerId="Windows Live" clId="Web-{9DBCB12D-E4F1-6D98-D899-3D0A85EDA32C}"/>
-    <pc:docChg chg="modSld">
-      <pc:chgData name="Guest User" userId="" providerId="Windows Live" clId="Web-{9DBCB12D-E4F1-6D98-D899-3D0A85EDA32C}" dt="2025-02-19T17:28:49.679" v="268" actId="1076"/>
-      <pc:docMkLst>
-        <pc:docMk/>
-      </pc:docMkLst>
-      <pc:sldChg chg="modSp">
-        <pc:chgData name="Guest User" userId="" providerId="Windows Live" clId="Web-{9DBCB12D-E4F1-6D98-D899-3D0A85EDA32C}" dt="2025-02-19T15:32:51.300" v="63"/>
-        <pc:sldMkLst>
-          <pc:docMk/>
-          <pc:sldMk cId="395494422" sldId="260"/>
-        </pc:sldMkLst>
-        <pc:graphicFrameChg chg="mod modGraphic">
-          <ac:chgData name="Guest User" userId="" providerId="Windows Live" clId="Web-{9DBCB12D-E4F1-6D98-D899-3D0A85EDA32C}" dt="2025-02-19T15:32:51.300" v="63"/>
-          <ac:graphicFrameMkLst>
-            <pc:docMk/>
-            <pc:sldMk cId="395494422" sldId="260"/>
-            <ac:graphicFrameMk id="6" creationId="{B173CA74-3918-65DF-F863-4113C40759E8}"/>
-          </ac:graphicFrameMkLst>
-        </pc:graphicFrameChg>
-      </pc:sldChg>
-      <pc:sldChg chg="addSp delSp modSp mod setBg">
-        <pc:chgData name="Guest User" userId="" providerId="Windows Live" clId="Web-{9DBCB12D-E4F1-6D98-D899-3D0A85EDA32C}" dt="2025-02-19T16:52:00.392" v="100" actId="1076"/>
-        <pc:sldMkLst>
-          <pc:docMk/>
-          <pc:sldMk cId="1613704985" sldId="262"/>
-        </pc:sldMkLst>
-        <pc:spChg chg="mod">
-          <ac:chgData name="Guest User" userId="" providerId="Windows Live" clId="Web-{9DBCB12D-E4F1-6D98-D899-3D0A85EDA32C}" dt="2025-02-19T16:39:06.439" v="73"/>
-          <ac:spMkLst>
-            <pc:docMk/>
-            <pc:sldMk cId="1613704985" sldId="262"/>
-            <ac:spMk id="2" creationId="{CD66049B-8D78-CFB1-C31A-1C0F2195B61A}"/>
-          </ac:spMkLst>
-        </pc:spChg>
-        <pc:spChg chg="mod">
-          <ac:chgData name="Guest User" userId="" providerId="Windows Live" clId="Web-{9DBCB12D-E4F1-6D98-D899-3D0A85EDA32C}" dt="2025-02-19T16:40:25.111" v="93" actId="20577"/>
-          <ac:spMkLst>
-            <pc:docMk/>
-            <pc:sldMk cId="1613704985" sldId="262"/>
-            <ac:spMk id="3" creationId="{80244DCF-14A5-DCC3-6A47-1F771410F60E}"/>
-          </ac:spMkLst>
-        </pc:spChg>
-        <pc:spChg chg="add">
-          <ac:chgData name="Guest User" userId="" providerId="Windows Live" clId="Web-{9DBCB12D-E4F1-6D98-D899-3D0A85EDA32C}" dt="2025-02-19T16:39:06.439" v="73"/>
-          <ac:spMkLst>
-            <pc:docMk/>
-            <pc:sldMk cId="1613704985" sldId="262"/>
-            <ac:spMk id="9" creationId="{4065D9BE-A58D-6E8A-D4A2-5056F3C5E9CA}"/>
-          </ac:spMkLst>
-        </pc:spChg>
-        <pc:spChg chg="add">
-          <ac:chgData name="Guest User" userId="" providerId="Windows Live" clId="Web-{9DBCB12D-E4F1-6D98-D899-3D0A85EDA32C}" dt="2025-02-19T16:39:06.439" v="73"/>
-          <ac:spMkLst>
-            <pc:docMk/>
-            <pc:sldMk cId="1613704985" sldId="262"/>
-            <ac:spMk id="11" creationId="{A745E793-BC99-8991-71CD-53FFBB6A8F69}"/>
-          </ac:spMkLst>
-        </pc:spChg>
-        <pc:picChg chg="add del mod">
-          <ac:chgData name="Guest User" userId="" providerId="Windows Live" clId="Web-{9DBCB12D-E4F1-6D98-D899-3D0A85EDA32C}" dt="2025-02-19T16:51:36.782" v="97"/>
-          <ac:picMkLst>
-            <pc:docMk/>
-            <pc:sldMk cId="1613704985" sldId="262"/>
-            <ac:picMk id="4" creationId="{50AB54B3-EE03-77FB-90CD-8E103FE806F2}"/>
-          </ac:picMkLst>
-        </pc:picChg>
-        <pc:picChg chg="add mod">
-          <ac:chgData name="Guest User" userId="" providerId="Windows Live" clId="Web-{9DBCB12D-E4F1-6D98-D899-3D0A85EDA32C}" dt="2025-02-19T16:52:00.392" v="100" actId="1076"/>
-          <ac:picMkLst>
-            <pc:docMk/>
-            <pc:sldMk cId="1613704985" sldId="262"/>
-            <ac:picMk id="5" creationId="{F50B2218-0B1D-C44D-E6BE-538078045703}"/>
-          </ac:picMkLst>
-        </pc:picChg>
-      </pc:sldChg>
-      <pc:sldChg chg="addSp modSp">
-        <pc:chgData name="Guest User" userId="" providerId="Windows Live" clId="Web-{9DBCB12D-E4F1-6D98-D899-3D0A85EDA32C}" dt="2025-02-19T17:28:49.679" v="268" actId="1076"/>
-        <pc:sldMkLst>
-          <pc:docMk/>
-          <pc:sldMk cId="1853430785" sldId="268"/>
-        </pc:sldMkLst>
-        <pc:spChg chg="mod">
-          <ac:chgData name="Guest User" userId="" providerId="Windows Live" clId="Web-{9DBCB12D-E4F1-6D98-D899-3D0A85EDA32C}" dt="2025-02-19T17:22:22.394" v="175" actId="20577"/>
-          <ac:spMkLst>
-            <pc:docMk/>
-            <pc:sldMk cId="1853430785" sldId="268"/>
-            <ac:spMk id="3" creationId="{466655F6-D511-BAF0-0A35-9BEF31592039}"/>
-          </ac:spMkLst>
-        </pc:spChg>
-        <pc:spChg chg="add mod">
-          <ac:chgData name="Guest User" userId="" providerId="Windows Live" clId="Web-{9DBCB12D-E4F1-6D98-D899-3D0A85EDA32C}" dt="2025-02-19T17:27:31.990" v="197" actId="1076"/>
-          <ac:spMkLst>
-            <pc:docMk/>
-            <pc:sldMk cId="1853430785" sldId="268"/>
-            <ac:spMk id="5" creationId="{A8F4F386-5244-E719-3892-88057582BABC}"/>
-          </ac:spMkLst>
-        </pc:spChg>
-        <pc:spChg chg="add mod">
-          <ac:chgData name="Guest User" userId="" providerId="Windows Live" clId="Web-{9DBCB12D-E4F1-6D98-D899-3D0A85EDA32C}" dt="2025-02-19T17:27:28.506" v="196" actId="1076"/>
-          <ac:spMkLst>
-            <pc:docMk/>
-            <pc:sldMk cId="1853430785" sldId="268"/>
-            <ac:spMk id="7" creationId="{3DFF7DDC-06A5-931E-A534-65F0870A142F}"/>
-          </ac:spMkLst>
-        </pc:spChg>
-        <pc:spChg chg="add mod">
-          <ac:chgData name="Guest User" userId="" providerId="Windows Live" clId="Web-{9DBCB12D-E4F1-6D98-D899-3D0A85EDA32C}" dt="2025-02-19T17:28:49.679" v="268" actId="1076"/>
-          <ac:spMkLst>
-            <pc:docMk/>
-            <pc:sldMk cId="1853430785" sldId="268"/>
-            <ac:spMk id="8" creationId="{CBC30734-9DB3-4112-E43C-D70B7F96B5B3}"/>
-          </ac:spMkLst>
-        </pc:spChg>
-        <pc:picChg chg="add mod modCrop">
-          <ac:chgData name="Guest User" userId="" providerId="Windows Live" clId="Web-{9DBCB12D-E4F1-6D98-D899-3D0A85EDA32C}" dt="2025-02-19T17:27:23.693" v="195" actId="1076"/>
-          <ac:picMkLst>
-            <pc:docMk/>
-            <pc:sldMk cId="1853430785" sldId="268"/>
-            <ac:picMk id="4" creationId="{D0549F33-147F-C53F-3818-796A6F034182}"/>
-          </ac:picMkLst>
-        </pc:picChg>
-        <pc:picChg chg="mod">
-          <ac:chgData name="Guest User" userId="" providerId="Windows Live" clId="Web-{9DBCB12D-E4F1-6D98-D899-3D0A85EDA32C}" dt="2025-02-19T17:22:25.082" v="176" actId="1076"/>
-          <ac:picMkLst>
-            <pc:docMk/>
-            <pc:sldMk cId="1853430785" sldId="268"/>
-            <ac:picMk id="6" creationId="{02B2015D-E124-E976-4B95-99382F11800B}"/>
-          </ac:picMkLst>
-        </pc:picChg>
-      </pc:sldChg>
-    </pc:docChg>
-  </pc:docChgLst>
-  <pc:docChgLst>
-    <pc:chgData name="来宾用户" providerId="Windows Live" clId="Web-{3A63E455-CEEB-C228-556F-7EBBB781522A}"/>
-    <pc:docChg chg="modSld">
-      <pc:chgData name="来宾用户" userId="" providerId="Windows Live" clId="Web-{3A63E455-CEEB-C228-556F-7EBBB781522A}" dt="2025-02-19T15:46:09.064" v="48" actId="1076"/>
-      <pc:docMkLst>
-        <pc:docMk/>
-      </pc:docMkLst>
-      <pc:sldChg chg="modNotes">
-        <pc:chgData name="来宾用户" userId="" providerId="Windows Live" clId="Web-{3A63E455-CEEB-C228-556F-7EBBB781522A}" dt="2025-02-19T15:34:32.339" v="2"/>
-        <pc:sldMkLst>
-          <pc:docMk/>
-          <pc:sldMk cId="3513918286" sldId="264"/>
-        </pc:sldMkLst>
-      </pc:sldChg>
-      <pc:sldChg chg="addSp modSp">
-        <pc:chgData name="来宾用户" userId="" providerId="Windows Live" clId="Web-{3A63E455-CEEB-C228-556F-7EBBB781522A}" dt="2025-02-19T15:41:07.024" v="44" actId="1076"/>
-        <pc:sldMkLst>
-          <pc:docMk/>
-          <pc:sldMk cId="4078909385" sldId="266"/>
-        </pc:sldMkLst>
-        <pc:spChg chg="add mod">
-          <ac:chgData name="来宾用户" userId="" providerId="Windows Live" clId="Web-{3A63E455-CEEB-C228-556F-7EBBB781522A}" dt="2025-02-19T15:41:07.024" v="44" actId="1076"/>
-          <ac:spMkLst>
-            <pc:docMk/>
-            <pc:sldMk cId="4078909385" sldId="266"/>
-            <ac:spMk id="2" creationId="{88D8366B-AE28-BAEB-2E5F-09F8F0AF26E7}"/>
-          </ac:spMkLst>
-        </pc:spChg>
-      </pc:sldChg>
-      <pc:sldChg chg="addSp modSp">
-        <pc:chgData name="来宾用户" userId="" providerId="Windows Live" clId="Web-{3A63E455-CEEB-C228-556F-7EBBB781522A}" dt="2025-02-19T15:46:09.064" v="48" actId="1076"/>
-        <pc:sldMkLst>
-          <pc:docMk/>
-          <pc:sldMk cId="1768545565" sldId="267"/>
-        </pc:sldMkLst>
-        <pc:spChg chg="add mod">
-          <ac:chgData name="来宾用户" userId="" providerId="Windows Live" clId="Web-{3A63E455-CEEB-C228-556F-7EBBB781522A}" dt="2025-02-19T15:46:09.064" v="48" actId="1076"/>
-          <ac:spMkLst>
-            <pc:docMk/>
-            <pc:sldMk cId="1768545565" sldId="267"/>
-            <ac:spMk id="3" creationId="{A769E7DC-66EC-074A-5142-FAF7702C4388}"/>
-          </ac:spMkLst>
-        </pc:spChg>
-      </pc:sldChg>
-      <pc:sldChg chg="modSp">
-        <pc:chgData name="来宾用户" userId="" providerId="Windows Live" clId="Web-{3A63E455-CEEB-C228-556F-7EBBB781522A}" dt="2025-02-19T15:43:28.075" v="46" actId="20577"/>
-        <pc:sldMkLst>
-          <pc:docMk/>
-          <pc:sldMk cId="2308948833" sldId="270"/>
-        </pc:sldMkLst>
-        <pc:spChg chg="mod">
-          <ac:chgData name="来宾用户" userId="" providerId="Windows Live" clId="Web-{3A63E455-CEEB-C228-556F-7EBBB781522A}" dt="2025-02-19T15:43:28.075" v="46" actId="20577"/>
-          <ac:spMkLst>
-            <pc:docMk/>
-            <pc:sldMk cId="2308948833" sldId="270"/>
-            <ac:spMk id="9" creationId="{3DBD94C0-791C-DFF8-57F5-FE414EE89896}"/>
-          </ac:spMkLst>
-        </pc:spChg>
-      </pc:sldChg>
-      <pc:sldChg chg="modSp">
-        <pc:chgData name="来宾用户" userId="" providerId="Windows Live" clId="Web-{3A63E455-CEEB-C228-556F-7EBBB781522A}" dt="2025-02-19T15:38:08.440" v="37" actId="20577"/>
-        <pc:sldMkLst>
-          <pc:docMk/>
-          <pc:sldMk cId="1922285952" sldId="273"/>
-        </pc:sldMkLst>
-        <pc:spChg chg="mod">
-          <ac:chgData name="来宾用户" userId="" providerId="Windows Live" clId="Web-{3A63E455-CEEB-C228-556F-7EBBB781522A}" dt="2025-02-19T15:38:08.440" v="37" actId="20577"/>
-          <ac:spMkLst>
-            <pc:docMk/>
-            <pc:sldMk cId="1922285952" sldId="273"/>
-            <ac:spMk id="5" creationId="{9EE0A72C-0267-66DE-7018-2E9DCB622ADF}"/>
-          </ac:spMkLst>
-        </pc:spChg>
-      </pc:sldChg>
-    </pc:docChg>
-  </pc:docChgLst>
-  <pc:docChgLst>
-    <pc:chgData name="来宾用户" providerId="Windows Live" clId="Web-{031E6A1F-D05E-F2CC-3028-D07D04FBC3F5}"/>
-    <pc:docChg chg="mod addSld delSld modSld modMainMaster setSldSz">
-      <pc:chgData name="来宾用户" userId="" providerId="Windows Live" clId="Web-{031E6A1F-D05E-F2CC-3028-D07D04FBC3F5}" dt="2025-02-18T19:06:46.114" v="1355" actId="14100"/>
-      <pc:docMkLst>
-        <pc:docMk/>
-      </pc:docMkLst>
-      <pc:sldChg chg="modSp">
-        <pc:chgData name="来宾用户" userId="" providerId="Windows Live" clId="Web-{031E6A1F-D05E-F2CC-3028-D07D04FBC3F5}" dt="2025-02-18T16:35:01.712" v="30"/>
-        <pc:sldMkLst>
-          <pc:docMk/>
-          <pc:sldMk cId="3020583742" sldId="256"/>
-        </pc:sldMkLst>
-        <pc:spChg chg="mod">
-          <ac:chgData name="来宾用户" userId="" providerId="Windows Live" clId="Web-{031E6A1F-D05E-F2CC-3028-D07D04FBC3F5}" dt="2025-02-18T16:35:01.712" v="30"/>
-          <ac:spMkLst>
-            <pc:docMk/>
-            <pc:sldMk cId="3020583742" sldId="256"/>
-            <ac:spMk id="2" creationId="{27DB76AB-70D3-923C-27FB-9188B0297893}"/>
-          </ac:spMkLst>
-        </pc:spChg>
-        <pc:spChg chg="mod">
-          <ac:chgData name="来宾用户" userId="" providerId="Windows Live" clId="Web-{031E6A1F-D05E-F2CC-3028-D07D04FBC3F5}" dt="2025-02-18T16:35:01.712" v="30"/>
-          <ac:spMkLst>
-            <pc:docMk/>
-            <pc:sldMk cId="3020583742" sldId="256"/>
-            <ac:spMk id="3" creationId="{91ABF39E-98C9-6A40-E3D8-B7B3663E6938}"/>
-          </ac:spMkLst>
-        </pc:spChg>
-        <pc:spChg chg="mod">
-          <ac:chgData name="来宾用户" userId="" providerId="Windows Live" clId="Web-{031E6A1F-D05E-F2CC-3028-D07D04FBC3F5}" dt="2025-02-18T16:35:01.712" v="30"/>
-          <ac:spMkLst>
-            <pc:docMk/>
-            <pc:sldMk cId="3020583742" sldId="256"/>
-            <ac:spMk id="16" creationId="{ADE57300-C7FF-4578-99A0-42B0295B123C}"/>
-          </ac:spMkLst>
-        </pc:spChg>
-        <pc:spChg chg="mod">
-          <ac:chgData name="来宾用户" userId="" providerId="Windows Live" clId="Web-{031E6A1F-D05E-F2CC-3028-D07D04FBC3F5}" dt="2025-02-18T16:35:01.712" v="30"/>
-          <ac:spMkLst>
-            <pc:docMk/>
-            <pc:sldMk cId="3020583742" sldId="256"/>
-            <ac:spMk id="18" creationId="{DB8F8250-7A81-4A19-87AD-FFB2CE4E39A5}"/>
-          </ac:spMkLst>
-        </pc:spChg>
-        <pc:spChg chg="mod">
-          <ac:chgData name="来宾用户" userId="" providerId="Windows Live" clId="Web-{031E6A1F-D05E-F2CC-3028-D07D04FBC3F5}" dt="2025-02-18T16:35:01.712" v="30"/>
-          <ac:spMkLst>
-            <pc:docMk/>
-            <pc:sldMk cId="3020583742" sldId="256"/>
-            <ac:spMk id="20" creationId="{499F38FC-2DEA-2647-C409-EF75720C1017}"/>
-          </ac:spMkLst>
-        </pc:spChg>
-        <pc:spChg chg="mod">
-          <ac:chgData name="来宾用户" userId="" providerId="Windows Live" clId="Web-{031E6A1F-D05E-F2CC-3028-D07D04FBC3F5}" dt="2025-02-18T16:35:01.712" v="30"/>
-          <ac:spMkLst>
-            <pc:docMk/>
-            <pc:sldMk cId="3020583742" sldId="256"/>
-            <ac:spMk id="22" creationId="{6D16C4DE-5FF1-8D34-BBA1-FC43F315567B}"/>
-          </ac:spMkLst>
-        </pc:spChg>
-        <pc:spChg chg="mod">
-          <ac:chgData name="来宾用户" userId="" providerId="Windows Live" clId="Web-{031E6A1F-D05E-F2CC-3028-D07D04FBC3F5}" dt="2025-02-18T16:35:01.712" v="30"/>
-          <ac:spMkLst>
-            <pc:docMk/>
-            <pc:sldMk cId="3020583742" sldId="256"/>
-            <ac:spMk id="24" creationId="{B6914053-73D7-E377-E88C-94E35AAD489B}"/>
-          </ac:spMkLst>
-        </pc:spChg>
-        <pc:picChg chg="mod">
-          <ac:chgData name="来宾用户" userId="" providerId="Windows Live" clId="Web-{031E6A1F-D05E-F2CC-3028-D07D04FBC3F5}" dt="2025-02-18T16:35:01.712" v="30"/>
-          <ac:picMkLst>
-            <pc:docMk/>
-            <pc:sldMk cId="3020583742" sldId="256"/>
-            <ac:picMk id="4" creationId="{D799CE44-B174-2396-7C2B-74224367DB7D}"/>
-          </ac:picMkLst>
-        </pc:picChg>
-      </pc:sldChg>
-      <pc:sldChg chg="modSp">
-        <pc:chgData name="来宾用户" userId="" providerId="Windows Live" clId="Web-{031E6A1F-D05E-F2CC-3028-D07D04FBC3F5}" dt="2025-02-18T16:49:14.227" v="48" actId="1076"/>
-        <pc:sldMkLst>
-          <pc:docMk/>
-          <pc:sldMk cId="917575798" sldId="258"/>
-        </pc:sldMkLst>
-        <pc:spChg chg="mod">
-          <ac:chgData name="来宾用户" userId="" providerId="Windows Live" clId="Web-{031E6A1F-D05E-F2CC-3028-D07D04FBC3F5}" dt="2025-02-18T16:35:01.712" v="30"/>
-          <ac:spMkLst>
-            <pc:docMk/>
-            <pc:sldMk cId="917575798" sldId="258"/>
-            <ac:spMk id="5" creationId="{46EEF01D-60DA-0FAA-343F-3B48C8DFE5BD}"/>
-          </ac:spMkLst>
-        </pc:spChg>
-        <pc:graphicFrameChg chg="mod modGraphic">
-          <ac:chgData name="来宾用户" userId="" providerId="Windows Live" clId="Web-{031E6A1F-D05E-F2CC-3028-D07D04FBC3F5}" dt="2025-02-18T16:35:01.712" v="30"/>
-          <ac:graphicFrameMkLst>
-            <pc:docMk/>
-            <pc:sldMk cId="917575798" sldId="258"/>
-            <ac:graphicFrameMk id="4" creationId="{796090DD-39A6-1B67-5AEA-C98D70C0FF88}"/>
-          </ac:graphicFrameMkLst>
-        </pc:graphicFrameChg>
-        <pc:picChg chg="mod">
-          <ac:chgData name="来宾用户" userId="" providerId="Windows Live" clId="Web-{031E6A1F-D05E-F2CC-3028-D07D04FBC3F5}" dt="2025-02-18T16:49:14.227" v="48" actId="1076"/>
-          <ac:picMkLst>
-            <pc:docMk/>
-            <pc:sldMk cId="917575798" sldId="258"/>
-            <ac:picMk id="7" creationId="{44716942-0AA3-769B-7A23-97314FFC88C3}"/>
-          </ac:picMkLst>
-        </pc:picChg>
-      </pc:sldChg>
-      <pc:sldChg chg="modSp">
-        <pc:chgData name="来宾用户" userId="" providerId="Windows Live" clId="Web-{031E6A1F-D05E-F2CC-3028-D07D04FBC3F5}" dt="2025-02-18T16:35:01.712" v="30"/>
-        <pc:sldMkLst>
-          <pc:docMk/>
-          <pc:sldMk cId="375290250" sldId="259"/>
-        </pc:sldMkLst>
-        <pc:picChg chg="mod">
-          <ac:chgData name="来宾用户" userId="" providerId="Windows Live" clId="Web-{031E6A1F-D05E-F2CC-3028-D07D04FBC3F5}" dt="2025-02-18T16:35:01.712" v="30"/>
-          <ac:picMkLst>
-            <pc:docMk/>
-            <pc:sldMk cId="375290250" sldId="259"/>
-            <ac:picMk id="4" creationId="{4BDB88F4-B6F7-1B9A-A5D8-04FC7B4331F9}"/>
-          </ac:picMkLst>
-        </pc:picChg>
-        <pc:picChg chg="mod">
-          <ac:chgData name="来宾用户" userId="" providerId="Windows Live" clId="Web-{031E6A1F-D05E-F2CC-3028-D07D04FBC3F5}" dt="2025-02-18T16:35:01.712" v="30"/>
-          <ac:picMkLst>
-            <pc:docMk/>
-            <pc:sldMk cId="375290250" sldId="259"/>
-            <ac:picMk id="6" creationId="{9097F794-8601-44CF-8290-6CF573FDF6B6}"/>
-          </ac:picMkLst>
-        </pc:picChg>
-        <pc:picChg chg="mod">
-          <ac:chgData name="来宾用户" userId="" providerId="Windows Live" clId="Web-{031E6A1F-D05E-F2CC-3028-D07D04FBC3F5}" dt="2025-02-18T16:35:01.712" v="30"/>
-          <ac:picMkLst>
-            <pc:docMk/>
-            <pc:sldMk cId="375290250" sldId="259"/>
-            <ac:picMk id="8" creationId="{993E4885-AF02-8292-34BE-8798EE2E56E7}"/>
-          </ac:picMkLst>
-        </pc:picChg>
-        <pc:picChg chg="mod">
-          <ac:chgData name="来宾用户" userId="" providerId="Windows Live" clId="Web-{031E6A1F-D05E-F2CC-3028-D07D04FBC3F5}" dt="2025-02-18T16:35:01.712" v="30"/>
-          <ac:picMkLst>
-            <pc:docMk/>
-            <pc:sldMk cId="375290250" sldId="259"/>
-            <ac:picMk id="10" creationId="{BA547B90-18B6-3926-606E-9635512A319A}"/>
-          </ac:picMkLst>
-        </pc:picChg>
-      </pc:sldChg>
-      <pc:sldChg chg="modSp">
-        <pc:chgData name="来宾用户" userId="" providerId="Windows Live" clId="Web-{031E6A1F-D05E-F2CC-3028-D07D04FBC3F5}" dt="2025-02-18T16:35:01.712" v="30"/>
-        <pc:sldMkLst>
-          <pc:docMk/>
-          <pc:sldMk cId="395494422" sldId="260"/>
-        </pc:sldMkLst>
-        <pc:spChg chg="mod">
-          <ac:chgData name="来宾用户" userId="" providerId="Windows Live" clId="Web-{031E6A1F-D05E-F2CC-3028-D07D04FBC3F5}" dt="2025-02-18T16:35:01.712" v="30"/>
-          <ac:spMkLst>
-            <pc:docMk/>
-            <pc:sldMk cId="395494422" sldId="260"/>
-            <ac:spMk id="3" creationId="{C0DF7581-D663-9D6B-2AD0-01FC663ED2E0}"/>
-          </ac:spMkLst>
-        </pc:spChg>
-      </pc:sldChg>
-      <pc:sldChg chg="addSp delSp modSp mod setBg">
-        <pc:chgData name="来宾用户" userId="" providerId="Windows Live" clId="Web-{031E6A1F-D05E-F2CC-3028-D07D04FBC3F5}" dt="2025-02-18T19:06:46.114" v="1355" actId="14100"/>
-        <pc:sldMkLst>
-          <pc:docMk/>
-          <pc:sldMk cId="466566654" sldId="261"/>
-        </pc:sldMkLst>
-        <pc:spChg chg="mod">
-          <ac:chgData name="来宾用户" userId="" providerId="Windows Live" clId="Web-{031E6A1F-D05E-F2CC-3028-D07D04FBC3F5}" dt="2025-02-18T18:52:29.771" v="1190"/>
-          <ac:spMkLst>
-            <pc:docMk/>
-            <pc:sldMk cId="466566654" sldId="261"/>
-            <ac:spMk id="2" creationId="{CDBDB0BE-3224-0CA2-4C15-AAC4BB181649}"/>
-          </ac:spMkLst>
-        </pc:spChg>
-        <pc:spChg chg="del">
-          <ac:chgData name="来宾用户" userId="" providerId="Windows Live" clId="Web-{031E6A1F-D05E-F2CC-3028-D07D04FBC3F5}" dt="2025-02-18T16:25:21.102" v="0"/>
-          <ac:spMkLst>
-            <pc:docMk/>
-            <pc:sldMk cId="466566654" sldId="261"/>
-            <ac:spMk id="3" creationId="{019D7E6D-DAE5-1C7F-74E4-4C155F62764A}"/>
-          </ac:spMkLst>
-        </pc:spChg>
-        <pc:spChg chg="add del mod">
-          <ac:chgData name="来宾用户" userId="" providerId="Windows Live" clId="Web-{031E6A1F-D05E-F2CC-3028-D07D04FBC3F5}" dt="2025-02-18T16:32:26.649" v="4"/>
-          <ac:spMkLst>
-            <pc:docMk/>
-            <pc:sldMk cId="466566654" sldId="261"/>
-            <ac:spMk id="4" creationId="{05F18883-DBF1-FFA3-B89F-D44FEC630567}"/>
-          </ac:spMkLst>
-        </pc:spChg>
-        <pc:spChg chg="add del mod">
-          <ac:chgData name="来宾用户" userId="" providerId="Windows Live" clId="Web-{031E6A1F-D05E-F2CC-3028-D07D04FBC3F5}" dt="2025-02-18T16:32:29.508" v="8"/>
-          <ac:spMkLst>
-            <pc:docMk/>
-            <pc:sldMk cId="466566654" sldId="261"/>
-            <ac:spMk id="5" creationId="{8FE68CD3-BC62-9D2A-AE20-2ADB629F5BD2}"/>
-          </ac:spMkLst>
-        </pc:spChg>
-        <pc:spChg chg="add mod">
-          <ac:chgData name="来宾用户" userId="" providerId="Windows Live" clId="Web-{031E6A1F-D05E-F2CC-3028-D07D04FBC3F5}" dt="2025-02-18T19:06:46.114" v="1355" actId="14100"/>
-          <ac:spMkLst>
-            <pc:docMk/>
-            <pc:sldMk cId="466566654" sldId="261"/>
-            <ac:spMk id="9" creationId="{4C1E1E8E-1C95-2142-AD79-03ADDF3FB918}"/>
-          </ac:spMkLst>
-        </pc:spChg>
-        <pc:spChg chg="add">
-          <ac:chgData name="来宾用户" userId="" providerId="Windows Live" clId="Web-{031E6A1F-D05E-F2CC-3028-D07D04FBC3F5}" dt="2025-02-18T18:52:29.771" v="1190"/>
-          <ac:spMkLst>
-            <pc:docMk/>
-            <pc:sldMk cId="466566654" sldId="261"/>
-            <ac:spMk id="14" creationId="{42C91D93-014B-66D5-D263-730212C94315}"/>
-          </ac:spMkLst>
-        </pc:spChg>
-        <pc:spChg chg="add">
-          <ac:chgData name="来宾用户" userId="" providerId="Windows Live" clId="Web-{031E6A1F-D05E-F2CC-3028-D07D04FBC3F5}" dt="2025-02-18T18:52:29.771" v="1190"/>
-          <ac:spMkLst>
-            <pc:docMk/>
-            <pc:sldMk cId="466566654" sldId="261"/>
-            <ac:spMk id="16" creationId="{9568B8C9-6702-8441-0D92-220DE92C8861}"/>
-          </ac:spMkLst>
-        </pc:spChg>
-        <pc:picChg chg="add del mod">
-          <ac:chgData name="来宾用户" userId="" providerId="Windows Live" clId="Web-{031E6A1F-D05E-F2CC-3028-D07D04FBC3F5}" dt="2025-02-18T16:34:18.883" v="14"/>
-          <ac:picMkLst>
-            <pc:docMk/>
-            <pc:sldMk cId="466566654" sldId="261"/>
-            <ac:picMk id="6" creationId="{01BB50B0-D8E6-A4E7-B8DC-AF93DCDD5E10}"/>
-          </ac:picMkLst>
-        </pc:picChg>
-        <pc:picChg chg="add del mod">
-          <ac:chgData name="来宾用户" userId="" providerId="Windows Live" clId="Web-{031E6A1F-D05E-F2CC-3028-D07D04FBC3F5}" dt="2025-02-18T16:34:42.321" v="25"/>
-          <ac:picMkLst>
-            <pc:docMk/>
-            <pc:sldMk cId="466566654" sldId="261"/>
-            <ac:picMk id="7" creationId="{2A10F75F-3970-D1E9-4DA0-9AF84510598E}"/>
-          </ac:picMkLst>
-        </pc:picChg>
-      </pc:sldChg>
-      <pc:sldChg chg="modSp">
-        <pc:chgData name="来宾用户" userId="" providerId="Windows Live" clId="Web-{031E6A1F-D05E-F2CC-3028-D07D04FBC3F5}" dt="2025-02-18T16:35:01.712" v="30"/>
-        <pc:sldMkLst>
-          <pc:docMk/>
-          <pc:sldMk cId="1454857478" sldId="263"/>
-        </pc:sldMkLst>
-        <pc:spChg chg="mod">
-          <ac:chgData name="来宾用户" userId="" providerId="Windows Live" clId="Web-{031E6A1F-D05E-F2CC-3028-D07D04FBC3F5}" dt="2025-02-18T16:35:01.712" v="30"/>
-          <ac:spMkLst>
-            <pc:docMk/>
-            <pc:sldMk cId="1454857478" sldId="263"/>
-            <ac:spMk id="2" creationId="{18516AB3-3B47-16DF-78F7-96B59A03AD53}"/>
-          </ac:spMkLst>
-        </pc:spChg>
-        <pc:spChg chg="mod">
-          <ac:chgData name="来宾用户" userId="" providerId="Windows Live" clId="Web-{031E6A1F-D05E-F2CC-3028-D07D04FBC3F5}" dt="2025-02-18T16:35:01.712" v="30"/>
-          <ac:spMkLst>
-            <pc:docMk/>
-            <pc:sldMk cId="1454857478" sldId="263"/>
-            <ac:spMk id="9" creationId="{ADE57300-C7FF-4578-99A0-42B0295B123C}"/>
-          </ac:spMkLst>
-        </pc:spChg>
-        <pc:spChg chg="mod">
-          <ac:chgData name="来宾用户" userId="" providerId="Windows Live" clId="Web-{031E6A1F-D05E-F2CC-3028-D07D04FBC3F5}" dt="2025-02-18T16:35:01.712" v="30"/>
-          <ac:spMkLst>
-            <pc:docMk/>
-            <pc:sldMk cId="1454857478" sldId="263"/>
-            <ac:spMk id="11" creationId="{DB8F8250-7A81-4A19-87AD-FFB2CE4E39A5}"/>
-          </ac:spMkLst>
-        </pc:spChg>
-        <pc:spChg chg="mod">
-          <ac:chgData name="来宾用户" userId="" providerId="Windows Live" clId="Web-{031E6A1F-D05E-F2CC-3028-D07D04FBC3F5}" dt="2025-02-18T16:35:01.712" v="30"/>
-          <ac:spMkLst>
-            <pc:docMk/>
-            <pc:sldMk cId="1454857478" sldId="263"/>
-            <ac:spMk id="13" creationId="{499F38FC-2DEA-2647-C409-EF75720C1017}"/>
-          </ac:spMkLst>
-        </pc:spChg>
-        <pc:spChg chg="mod">
-          <ac:chgData name="来宾用户" userId="" providerId="Windows Live" clId="Web-{031E6A1F-D05E-F2CC-3028-D07D04FBC3F5}" dt="2025-02-18T16:35:01.712" v="30"/>
-          <ac:spMkLst>
-            <pc:docMk/>
-            <pc:sldMk cId="1454857478" sldId="263"/>
-            <ac:spMk id="15" creationId="{F3FF94B3-6D3E-44FE-BB02-A9027C0003C7}"/>
-          </ac:spMkLst>
-        </pc:spChg>
-        <pc:spChg chg="mod">
-          <ac:chgData name="来宾用户" userId="" providerId="Windows Live" clId="Web-{031E6A1F-D05E-F2CC-3028-D07D04FBC3F5}" dt="2025-02-18T16:35:01.712" v="30"/>
-          <ac:spMkLst>
-            <pc:docMk/>
-            <pc:sldMk cId="1454857478" sldId="263"/>
-            <ac:spMk id="17" creationId="{E20BB609-EF92-42DB-836C-0699A590B5CF}"/>
-          </ac:spMkLst>
-        </pc:spChg>
-        <pc:spChg chg="mod">
-          <ac:chgData name="来宾用户" userId="" providerId="Windows Live" clId="Web-{031E6A1F-D05E-F2CC-3028-D07D04FBC3F5}" dt="2025-02-18T16:35:01.712" v="30"/>
-          <ac:spMkLst>
-            <pc:docMk/>
-            <pc:sldMk cId="1454857478" sldId="263"/>
-            <ac:spMk id="19" creationId="{637992A9-1E8C-4E57-B4F4-EE2D38E504A2}"/>
-          </ac:spMkLst>
-        </pc:spChg>
-        <pc:spChg chg="mod">
-          <ac:chgData name="来宾用户" userId="" providerId="Windows Live" clId="Web-{031E6A1F-D05E-F2CC-3028-D07D04FBC3F5}" dt="2025-02-18T16:35:01.712" v="30"/>
-          <ac:spMkLst>
-            <pc:docMk/>
-            <pc:sldMk cId="1454857478" sldId="263"/>
-            <ac:spMk id="21" creationId="{B2C335F7-F61C-4EB4-80F2-4B1438FE66BB}"/>
-          </ac:spMkLst>
-        </pc:spChg>
-        <pc:picChg chg="mod">
-          <ac:chgData name="来宾用户" userId="" providerId="Windows Live" clId="Web-{031E6A1F-D05E-F2CC-3028-D07D04FBC3F5}" dt="2025-02-18T16:35:01.712" v="30"/>
-          <ac:picMkLst>
-            <pc:docMk/>
-            <pc:sldMk cId="1454857478" sldId="263"/>
-            <ac:picMk id="5" creationId="{88DEDA11-7AE6-D70E-5B03-822869D8184C}"/>
-          </ac:picMkLst>
-        </pc:picChg>
-      </pc:sldChg>
-      <pc:sldChg chg="addSp delSp modSp add replId modNotes">
-        <pc:chgData name="来宾用户" userId="" providerId="Windows Live" clId="Web-{031E6A1F-D05E-F2CC-3028-D07D04FBC3F5}" dt="2025-02-18T18:52:11.458" v="1189" actId="1076"/>
-        <pc:sldMkLst>
-          <pc:docMk/>
-          <pc:sldMk cId="3513918286" sldId="264"/>
-        </pc:sldMkLst>
-        <pc:spChg chg="del">
-          <ac:chgData name="来宾用户" userId="" providerId="Windows Live" clId="Web-{031E6A1F-D05E-F2CC-3028-D07D04FBC3F5}" dt="2025-02-18T16:34:25.024" v="17"/>
-          <ac:spMkLst>
-            <pc:docMk/>
-            <pc:sldMk cId="3513918286" sldId="264"/>
-            <ac:spMk id="2" creationId="{9D8703A1-E4E2-0DA4-86EF-84DFAA5B79FD}"/>
-          </ac:spMkLst>
-        </pc:spChg>
-        <pc:spChg chg="del">
-          <ac:chgData name="来宾用户" userId="" providerId="Windows Live" clId="Web-{031E6A1F-D05E-F2CC-3028-D07D04FBC3F5}" dt="2025-02-18T16:34:22.977" v="16"/>
-          <ac:spMkLst>
-            <pc:docMk/>
-            <pc:sldMk cId="3513918286" sldId="264"/>
-            <ac:spMk id="3" creationId="{6E354C80-97CE-F180-432B-EDE2BC1B8B3F}"/>
-          </ac:spMkLst>
-        </pc:spChg>
-        <pc:spChg chg="add del mod">
-          <ac:chgData name="来宾用户" userId="" providerId="Windows Live" clId="Web-{031E6A1F-D05E-F2CC-3028-D07D04FBC3F5}" dt="2025-02-18T16:34:29.118" v="18"/>
-          <ac:spMkLst>
-            <pc:docMk/>
-            <pc:sldMk cId="3513918286" sldId="264"/>
-            <ac:spMk id="6" creationId="{282DEBC5-9EE6-3D0A-9749-890D5B6E7085}"/>
-          </ac:spMkLst>
-        </pc:spChg>
-        <pc:spChg chg="add del mod">
-          <ac:chgData name="来宾用户" userId="" providerId="Windows Live" clId="Web-{031E6A1F-D05E-F2CC-3028-D07D04FBC3F5}" dt="2025-02-18T16:34:30.555" v="19"/>
-          <ac:spMkLst>
-            <pc:docMk/>
-            <pc:sldMk cId="3513918286" sldId="264"/>
-            <ac:spMk id="8" creationId="{B570E052-58E8-7AF5-EF7B-438C87A8514C}"/>
-          </ac:spMkLst>
-        </pc:spChg>
-        <pc:spChg chg="add del mod">
-          <ac:chgData name="来宾用户" userId="" providerId="Windows Live" clId="Web-{031E6A1F-D05E-F2CC-3028-D07D04FBC3F5}" dt="2025-02-18T16:34:35.008" v="22"/>
-          <ac:spMkLst>
-            <pc:docMk/>
-            <pc:sldMk cId="3513918286" sldId="264"/>
-            <ac:spMk id="9" creationId="{408C5F34-127B-BC46-0B9F-E62BE04767C9}"/>
-          </ac:spMkLst>
-        </pc:spChg>
-        <pc:spChg chg="add del mod">
-          <ac:chgData name="来宾用户" userId="" providerId="Windows Live" clId="Web-{031E6A1F-D05E-F2CC-3028-D07D04FBC3F5}" dt="2025-02-18T16:48:57.227" v="47"/>
-          <ac:spMkLst>
-            <pc:docMk/>
-            <pc:sldMk cId="3513918286" sldId="264"/>
-            <ac:spMk id="12" creationId="{B34E3ECE-5E08-13A6-826E-071AA0AB32C6}"/>
-          </ac:spMkLst>
-        </pc:spChg>
-        <pc:spChg chg="add del mod">
-          <ac:chgData name="来宾用户" userId="" providerId="Windows Live" clId="Web-{031E6A1F-D05E-F2CC-3028-D07D04FBC3F5}" dt="2025-02-18T16:49:28.867" v="52"/>
-          <ac:spMkLst>
-            <pc:docMk/>
-            <pc:sldMk cId="3513918286" sldId="264"/>
-            <ac:spMk id="14" creationId="{6A12EC05-998A-6E0D-DB4E-31A2F1C0EF16}"/>
-          </ac:spMkLst>
-        </pc:spChg>
-        <pc:spChg chg="mod">
-          <ac:chgData name="来宾用户" userId="" providerId="Windows Live" clId="Web-{031E6A1F-D05E-F2CC-3028-D07D04FBC3F5}" dt="2025-02-18T16:35:01.712" v="30"/>
-          <ac:spMkLst>
-            <pc:docMk/>
-            <pc:sldMk cId="3513918286" sldId="264"/>
-            <ac:spMk id="16" creationId="{E20AA3A4-81F4-2F7A-C1FF-440BE203BCC2}"/>
-          </ac:spMkLst>
-        </pc:spChg>
-        <pc:spChg chg="add mod ord">
-          <ac:chgData name="来宾用户" userId="" providerId="Windows Live" clId="Web-{031E6A1F-D05E-F2CC-3028-D07D04FBC3F5}" dt="2025-02-18T18:52:11.458" v="1189" actId="1076"/>
-          <ac:spMkLst>
-            <pc:docMk/>
-            <pc:sldMk cId="3513918286" sldId="264"/>
-            <ac:spMk id="17" creationId="{8E72D43D-D4E8-A63D-FE2C-9156BFF744DC}"/>
-          </ac:spMkLst>
-        </pc:spChg>
-        <pc:spChg chg="mod">
-          <ac:chgData name="来宾用户" userId="" providerId="Windows Live" clId="Web-{031E6A1F-D05E-F2CC-3028-D07D04FBC3F5}" dt="2025-02-18T16:35:01.712" v="30"/>
-          <ac:spMkLst>
-            <pc:docMk/>
-            <pc:sldMk cId="3513918286" sldId="264"/>
-            <ac:spMk id="18" creationId="{36AA5928-C717-D13F-3CEC-163CB8328196}"/>
-          </ac:spMkLst>
-        </pc:spChg>
-        <pc:spChg chg="del mod">
-          <ac:chgData name="来宾用户" userId="" providerId="Windows Live" clId="Web-{031E6A1F-D05E-F2CC-3028-D07D04FBC3F5}" dt="2025-02-18T18:49:46.646" v="1119"/>
-          <ac:spMkLst>
-            <pc:docMk/>
-            <pc:sldMk cId="3513918286" sldId="264"/>
-            <ac:spMk id="20" creationId="{ACF3CAF1-7D20-A7A2-29A9-B61F369CEC1A}"/>
-          </ac:spMkLst>
-        </pc:spChg>
-        <pc:spChg chg="add mod ord">
-          <ac:chgData name="来宾用户" userId="" providerId="Windows Live" clId="Web-{031E6A1F-D05E-F2CC-3028-D07D04FBC3F5}" dt="2025-02-18T18:49:46.646" v="1119"/>
-          <ac:spMkLst>
-            <pc:docMk/>
-            <pc:sldMk cId="3513918286" sldId="264"/>
-            <ac:spMk id="21" creationId="{5D31BEB3-01BE-A617-AF11-D2421CA6A3CB}"/>
-          </ac:spMkLst>
-        </pc:spChg>
-        <pc:spChg chg="del mod">
-          <ac:chgData name="来宾用户" userId="" providerId="Windows Live" clId="Web-{031E6A1F-D05E-F2CC-3028-D07D04FBC3F5}" dt="2025-02-18T18:49:46.646" v="1119"/>
-          <ac:spMkLst>
-            <pc:docMk/>
-            <pc:sldMk cId="3513918286" sldId="264"/>
-            <ac:spMk id="22" creationId="{1B20FF32-2BE3-9A0D-0F93-2D3E7E5CA62A}"/>
-          </ac:spMkLst>
-        </pc:spChg>
-        <pc:spChg chg="del mod">
-          <ac:chgData name="来宾用户" userId="" providerId="Windows Live" clId="Web-{031E6A1F-D05E-F2CC-3028-D07D04FBC3F5}" dt="2025-02-18T18:49:46.646" v="1119"/>
-          <ac:spMkLst>
-            <pc:docMk/>
-            <pc:sldMk cId="3513918286" sldId="264"/>
-            <ac:spMk id="24" creationId="{F8AC92C6-A038-F1E9-FE55-22F199195426}"/>
-          </ac:spMkLst>
-        </pc:spChg>
-        <pc:spChg chg="add">
-          <ac:chgData name="来宾用户" userId="" providerId="Windows Live" clId="Web-{031E6A1F-D05E-F2CC-3028-D07D04FBC3F5}" dt="2025-02-18T18:49:46.646" v="1119"/>
-          <ac:spMkLst>
-            <pc:docMk/>
-            <pc:sldMk cId="3513918286" sldId="264"/>
-            <ac:spMk id="29" creationId="{ADE57300-C7FF-4578-99A0-42B0295B123C}"/>
-          </ac:spMkLst>
-        </pc:spChg>
-        <pc:spChg chg="add">
-          <ac:chgData name="来宾用户" userId="" providerId="Windows Live" clId="Web-{031E6A1F-D05E-F2CC-3028-D07D04FBC3F5}" dt="2025-02-18T18:49:46.646" v="1119"/>
-          <ac:spMkLst>
-            <pc:docMk/>
-            <pc:sldMk cId="3513918286" sldId="264"/>
-            <ac:spMk id="31" creationId="{DB8F8250-7A81-4A19-87AD-FFB2CE4E39A5}"/>
-          </ac:spMkLst>
-        </pc:spChg>
-        <pc:spChg chg="add">
-          <ac:chgData name="来宾用户" userId="" providerId="Windows Live" clId="Web-{031E6A1F-D05E-F2CC-3028-D07D04FBC3F5}" dt="2025-02-18T18:49:46.646" v="1119"/>
-          <ac:spMkLst>
-            <pc:docMk/>
-            <pc:sldMk cId="3513918286" sldId="264"/>
-            <ac:spMk id="33" creationId="{499F38FC-2DEA-2647-C409-EF75720C1017}"/>
-          </ac:spMkLst>
-        </pc:spChg>
-        <pc:spChg chg="add">
-          <ac:chgData name="来宾用户" userId="" providerId="Windows Live" clId="Web-{031E6A1F-D05E-F2CC-3028-D07D04FBC3F5}" dt="2025-02-18T18:49:46.646" v="1119"/>
-          <ac:spMkLst>
-            <pc:docMk/>
-            <pc:sldMk cId="3513918286" sldId="264"/>
-            <ac:spMk id="35" creationId="{34C0330F-1D4F-4552-B799-615DD237B6DE}"/>
-          </ac:spMkLst>
-        </pc:spChg>
-        <pc:spChg chg="add">
-          <ac:chgData name="来宾用户" userId="" providerId="Windows Live" clId="Web-{031E6A1F-D05E-F2CC-3028-D07D04FBC3F5}" dt="2025-02-18T18:49:46.646" v="1119"/>
-          <ac:spMkLst>
-            <pc:docMk/>
-            <pc:sldMk cId="3513918286" sldId="264"/>
-            <ac:spMk id="37" creationId="{92BE0106-0C20-465B-A1BE-0BAC2737B1AD}"/>
-          </ac:spMkLst>
-        </pc:spChg>
-        <pc:picChg chg="del">
-          <ac:chgData name="来宾用户" userId="" providerId="Windows Live" clId="Web-{031E6A1F-D05E-F2CC-3028-D07D04FBC3F5}" dt="2025-02-18T16:34:20.977" v="15"/>
-          <ac:picMkLst>
-            <pc:docMk/>
-            <pc:sldMk cId="3513918286" sldId="264"/>
-            <ac:picMk id="4" creationId="{A134DB05-3218-DD3B-8240-CAE641A29BB3}"/>
-          </ac:picMkLst>
-        </pc:picChg>
-        <pc:picChg chg="add del mod">
-          <ac:chgData name="来宾用户" userId="" providerId="Windows Live" clId="Web-{031E6A1F-D05E-F2CC-3028-D07D04FBC3F5}" dt="2025-02-18T18:15:00.772" v="899"/>
-          <ac:picMkLst>
-            <pc:docMk/>
-            <pc:sldMk cId="3513918286" sldId="264"/>
-            <ac:picMk id="10" creationId="{59A87424-0AF5-ADD8-84BA-A1E7D8446333}"/>
-          </ac:picMkLst>
-        </pc:picChg>
-        <pc:picChg chg="add mod">
-          <ac:chgData name="来宾用户" userId="" providerId="Windows Live" clId="Web-{031E6A1F-D05E-F2CC-3028-D07D04FBC3F5}" dt="2025-02-18T18:49:58.693" v="1123" actId="1076"/>
-          <ac:picMkLst>
-            <pc:docMk/>
-            <pc:sldMk cId="3513918286" sldId="264"/>
-            <ac:picMk id="23" creationId="{2D10D92F-9DC2-B2B6-788F-920A924276AE}"/>
-          </ac:picMkLst>
-        </pc:picChg>
-      </pc:sldChg>
-      <pc:sldChg chg="addSp delSp modSp add del replId modNotes">
-        <pc:chgData name="来宾用户" userId="" providerId="Windows Live" clId="Web-{031E6A1F-D05E-F2CC-3028-D07D04FBC3F5}" dt="2025-02-18T18:55:10.739" v="1223"/>
-        <pc:sldMkLst>
-          <pc:docMk/>
-          <pc:sldMk cId="2856262308" sldId="265"/>
-        </pc:sldMkLst>
-        <pc:spChg chg="add del">
-          <ac:chgData name="来宾用户" userId="" providerId="Windows Live" clId="Web-{031E6A1F-D05E-F2CC-3028-D07D04FBC3F5}" dt="2025-02-18T16:49:39.414" v="54"/>
-          <ac:spMkLst>
-            <pc:docMk/>
-            <pc:sldMk cId="2856262308" sldId="265"/>
-            <ac:spMk id="4" creationId="{F4CDEFB5-8C31-C6FB-ED5A-4657E508B748}"/>
-          </ac:spMkLst>
-        </pc:spChg>
-        <pc:spChg chg="add mod ord">
-          <ac:chgData name="来宾用户" userId="" providerId="Windows Live" clId="Web-{031E6A1F-D05E-F2CC-3028-D07D04FBC3F5}" dt="2025-02-18T18:53:12.442" v="1203"/>
-          <ac:spMkLst>
-            <pc:docMk/>
-            <pc:sldMk cId="2856262308" sldId="265"/>
-            <ac:spMk id="6" creationId="{76923B2C-2E22-9CC6-16D3-57FF9F71A92A}"/>
-          </ac:spMkLst>
-        </pc:spChg>
-        <pc:spChg chg="add mod ord">
-          <ac:chgData name="来宾用户" userId="" providerId="Windows Live" clId="Web-{031E6A1F-D05E-F2CC-3028-D07D04FBC3F5}" dt="2025-02-18T18:55:01.021" v="1222" actId="20577"/>
-          <ac:spMkLst>
-            <pc:docMk/>
-            <pc:sldMk cId="2856262308" sldId="265"/>
-            <ac:spMk id="7" creationId="{BD7AF3AA-F9DA-E902-160F-FAC92DAD3D76}"/>
-          </ac:spMkLst>
-        </pc:spChg>
-        <pc:spChg chg="add del">
-          <ac:chgData name="来宾用户" userId="" providerId="Windows Live" clId="Web-{031E6A1F-D05E-F2CC-3028-D07D04FBC3F5}" dt="2025-02-18T18:53:12.442" v="1203"/>
-          <ac:spMkLst>
-            <pc:docMk/>
-            <pc:sldMk cId="2856262308" sldId="265"/>
-            <ac:spMk id="18" creationId="{AFA028E0-A18F-E770-8FFA-6E6AF9B98039}"/>
-          </ac:spMkLst>
-        </pc:spChg>
-        <pc:spChg chg="add del">
-          <ac:chgData name="来宾用户" userId="" providerId="Windows Live" clId="Web-{031E6A1F-D05E-F2CC-3028-D07D04FBC3F5}" dt="2025-02-18T18:53:12.442" v="1203"/>
-          <ac:spMkLst>
-            <pc:docMk/>
-            <pc:sldMk cId="2856262308" sldId="265"/>
-            <ac:spMk id="20" creationId="{0E7E45BE-8EBE-332A-0E2D-333E7F37AA99}"/>
-          </ac:spMkLst>
-        </pc:spChg>
-        <pc:spChg chg="add del">
-          <ac:chgData name="来宾用户" userId="" providerId="Windows Live" clId="Web-{031E6A1F-D05E-F2CC-3028-D07D04FBC3F5}" dt="2025-02-18T18:53:12.442" v="1203"/>
-          <ac:spMkLst>
-            <pc:docMk/>
-            <pc:sldMk cId="2856262308" sldId="265"/>
-            <ac:spMk id="22" creationId="{5A190957-CB35-C002-F221-BA2455480512}"/>
-          </ac:spMkLst>
-        </pc:spChg>
-        <pc:spChg chg="add del">
-          <ac:chgData name="来宾用户" userId="" providerId="Windows Live" clId="Web-{031E6A1F-D05E-F2CC-3028-D07D04FBC3F5}" dt="2025-02-18T18:53:12.442" v="1203"/>
-          <ac:spMkLst>
-            <pc:docMk/>
-            <pc:sldMk cId="2856262308" sldId="265"/>
-            <ac:spMk id="24" creationId="{334FC104-FE53-6F2C-7973-4C6132BFE3D5}"/>
-          </ac:spMkLst>
-        </pc:spChg>
-        <pc:spChg chg="add del">
-          <ac:chgData name="来宾用户" userId="" providerId="Windows Live" clId="Web-{031E6A1F-D05E-F2CC-3028-D07D04FBC3F5}" dt="2025-02-18T18:53:12.442" v="1203"/>
-          <ac:spMkLst>
-            <pc:docMk/>
-            <pc:sldMk cId="2856262308" sldId="265"/>
-            <ac:spMk id="29" creationId="{ADE57300-C7FF-4578-99A0-42B0295B123C}"/>
-          </ac:spMkLst>
-        </pc:spChg>
-        <pc:spChg chg="add del">
-          <ac:chgData name="来宾用户" userId="" providerId="Windows Live" clId="Web-{031E6A1F-D05E-F2CC-3028-D07D04FBC3F5}" dt="2025-02-18T18:53:12.442" v="1203"/>
-          <ac:spMkLst>
-            <pc:docMk/>
-            <pc:sldMk cId="2856262308" sldId="265"/>
-            <ac:spMk id="31" creationId="{DB8F8250-7A81-4A19-87AD-FFB2CE4E39A5}"/>
-          </ac:spMkLst>
-        </pc:spChg>
-        <pc:spChg chg="add del">
-          <ac:chgData name="来宾用户" userId="" providerId="Windows Live" clId="Web-{031E6A1F-D05E-F2CC-3028-D07D04FBC3F5}" dt="2025-02-18T18:53:12.442" v="1203"/>
-          <ac:spMkLst>
-            <pc:docMk/>
-            <pc:sldMk cId="2856262308" sldId="265"/>
-            <ac:spMk id="35" creationId="{34C0330F-1D4F-4552-B799-615DD237B6DE}"/>
-          </ac:spMkLst>
-        </pc:spChg>
-        <pc:spChg chg="add del">
-          <ac:chgData name="来宾用户" userId="" providerId="Windows Live" clId="Web-{031E6A1F-D05E-F2CC-3028-D07D04FBC3F5}" dt="2025-02-18T18:53:12.442" v="1203"/>
-          <ac:spMkLst>
-            <pc:docMk/>
-            <pc:sldMk cId="2856262308" sldId="265"/>
-            <ac:spMk id="37" creationId="{92BE0106-0C20-465B-A1BE-0BAC2737B1AD}"/>
-          </ac:spMkLst>
-        </pc:spChg>
-        <pc:picChg chg="add del mod">
-          <ac:chgData name="来宾用户" userId="" providerId="Windows Live" clId="Web-{031E6A1F-D05E-F2CC-3028-D07D04FBC3F5}" dt="2025-02-18T17:50:34.413" v="808"/>
-          <ac:picMkLst>
-            <pc:docMk/>
-            <pc:sldMk cId="2856262308" sldId="265"/>
-            <ac:picMk id="2" creationId="{E38F33CA-4078-45D4-B2D7-9C2961C94D96}"/>
-          </ac:picMkLst>
-        </pc:picChg>
-        <pc:picChg chg="add del mod ord">
-          <ac:chgData name="来宾用户" userId="" providerId="Windows Live" clId="Web-{031E6A1F-D05E-F2CC-3028-D07D04FBC3F5}" dt="2025-02-18T18:15:41.428" v="905"/>
-          <ac:picMkLst>
-            <pc:docMk/>
-            <pc:sldMk cId="2856262308" sldId="265"/>
-            <ac:picMk id="8" creationId="{6C5C1B9F-DA21-F056-E2C5-633C1BA53557}"/>
-          </ac:picMkLst>
-        </pc:picChg>
-        <pc:picChg chg="add mod ord modCrop">
-          <ac:chgData name="来宾用户" userId="" providerId="Windows Live" clId="Web-{031E6A1F-D05E-F2CC-3028-D07D04FBC3F5}" dt="2025-02-18T18:53:11.427" v="1202"/>
-          <ac:picMkLst>
-            <pc:docMk/>
-            <pc:sldMk cId="2856262308" sldId="265"/>
-            <ac:picMk id="9" creationId="{C0A82BB3-09A0-2AC6-F4B7-AC110EE82075}"/>
-          </ac:picMkLst>
-        </pc:picChg>
-        <pc:picChg chg="del">
-          <ac:chgData name="来宾用户" userId="" providerId="Windows Live" clId="Web-{031E6A1F-D05E-F2CC-3028-D07D04FBC3F5}" dt="2025-02-18T16:37:01.868" v="33"/>
-          <ac:picMkLst>
-            <pc:docMk/>
-            <pc:sldMk cId="2856262308" sldId="265"/>
-            <ac:picMk id="10" creationId="{BF352CC3-F397-5099-BB3F-34C5F0787344}"/>
-          </ac:picMkLst>
-        </pc:picChg>
-      </pc:sldChg>
-      <pc:sldChg chg="add del replId">
-        <pc:chgData name="来宾用户" userId="" providerId="Windows Live" clId="Web-{031E6A1F-D05E-F2CC-3028-D07D04FBC3F5}" dt="2025-02-18T16:45:09.946" v="42"/>
-        <pc:sldMkLst>
-          <pc:docMk/>
-          <pc:sldMk cId="3619986367" sldId="266"/>
-        </pc:sldMkLst>
-      </pc:sldChg>
-      <pc:sldChg chg="addSp delSp modSp add replId">
-        <pc:chgData name="来宾用户" userId="" providerId="Windows Live" clId="Web-{031E6A1F-D05E-F2CC-3028-D07D04FBC3F5}" dt="2025-02-18T18:22:29.053" v="959" actId="1076"/>
-        <pc:sldMkLst>
-          <pc:docMk/>
-          <pc:sldMk cId="4078909385" sldId="266"/>
-        </pc:sldMkLst>
-        <pc:spChg chg="add del mod">
-          <ac:chgData name="来宾用户" userId="" providerId="Windows Live" clId="Web-{031E6A1F-D05E-F2CC-3028-D07D04FBC3F5}" dt="2025-02-18T17:43:57.725" v="715"/>
-          <ac:spMkLst>
-            <pc:docMk/>
-            <pc:sldMk cId="4078909385" sldId="266"/>
-            <ac:spMk id="7" creationId="{50AC23F3-F7F9-581D-C419-E71D1AF5021A}"/>
-          </ac:spMkLst>
-        </pc:spChg>
-        <pc:spChg chg="add del mod">
-          <ac:chgData name="来宾用户" userId="" providerId="Windows Live" clId="Web-{031E6A1F-D05E-F2CC-3028-D07D04FBC3F5}" dt="2025-02-18T17:45:54.694" v="750"/>
-          <ac:spMkLst>
-            <pc:docMk/>
-            <pc:sldMk cId="4078909385" sldId="266"/>
-            <ac:spMk id="8" creationId="{69C73500-056D-AEDE-05BF-177A47B6612A}"/>
-          </ac:spMkLst>
-        </pc:spChg>
-        <pc:spChg chg="add del mod">
-          <ac:chgData name="来宾用户" userId="" providerId="Windows Live" clId="Web-{031E6A1F-D05E-F2CC-3028-D07D04FBC3F5}" dt="2025-02-18T17:46:42.647" v="765"/>
-          <ac:spMkLst>
-            <pc:docMk/>
-            <pc:sldMk cId="4078909385" sldId="266"/>
-            <ac:spMk id="11" creationId="{7E9CCC28-A75A-A7AB-325B-2C3E5749A9EE}"/>
-          </ac:spMkLst>
-        </pc:spChg>
-        <pc:spChg chg="add mod">
-          <ac:chgData name="来宾用户" userId="" providerId="Windows Live" clId="Web-{031E6A1F-D05E-F2CC-3028-D07D04FBC3F5}" dt="2025-02-18T17:47:26.194" v="779" actId="20577"/>
-          <ac:spMkLst>
-            <pc:docMk/>
-            <pc:sldMk cId="4078909385" sldId="266"/>
-            <ac:spMk id="13" creationId="{C631D7D0-2E31-2E3D-EE46-0607DF9B84D8}"/>
-          </ac:spMkLst>
-        </pc:spChg>
-        <pc:spChg chg="add mod">
-          <ac:chgData name="来宾用户" userId="" providerId="Windows Live" clId="Web-{031E6A1F-D05E-F2CC-3028-D07D04FBC3F5}" dt="2025-02-18T17:57:03.209" v="898" actId="1076"/>
-          <ac:spMkLst>
-            <pc:docMk/>
-            <pc:sldMk cId="4078909385" sldId="266"/>
-            <ac:spMk id="14" creationId="{2000D50A-52B9-9E2D-E970-13506E8E3717}"/>
-          </ac:spMkLst>
-        </pc:spChg>
-        <pc:spChg chg="add mod">
-          <ac:chgData name="来宾用户" userId="" providerId="Windows Live" clId="Web-{031E6A1F-D05E-F2CC-3028-D07D04FBC3F5}" dt="2025-02-18T18:22:29.053" v="959" actId="1076"/>
-          <ac:spMkLst>
-            <pc:docMk/>
-            <pc:sldMk cId="4078909385" sldId="266"/>
-            <ac:spMk id="15" creationId="{8B30E85E-18E8-BF78-460B-0AFEBAA21832}"/>
-          </ac:spMkLst>
-        </pc:spChg>
-        <pc:picChg chg="del">
-          <ac:chgData name="来宾用户" userId="" providerId="Windows Live" clId="Web-{031E6A1F-D05E-F2CC-3028-D07D04FBC3F5}" dt="2025-02-18T17:13:50.164" v="498"/>
-          <ac:picMkLst>
-            <pc:docMk/>
-            <pc:sldMk cId="4078909385" sldId="266"/>
-            <ac:picMk id="2" creationId="{E7B89E1C-CF9B-04E5-D8FF-43FAF057F2B9}"/>
-          </ac:picMkLst>
-        </pc:picChg>
-        <pc:picChg chg="add mod">
-          <ac:chgData name="来宾用户" userId="" providerId="Windows Live" clId="Web-{031E6A1F-D05E-F2CC-3028-D07D04FBC3F5}" dt="2025-02-18T17:47:06.100" v="773" actId="1076"/>
-          <ac:picMkLst>
-            <pc:docMk/>
-            <pc:sldMk cId="4078909385" sldId="266"/>
-            <ac:picMk id="3" creationId="{AE6ECBE5-198F-1853-AD53-589E3EC06751}"/>
-          </ac:picMkLst>
-        </pc:picChg>
-        <pc:picChg chg="add del mod">
-          <ac:chgData name="来宾用户" userId="" providerId="Windows Live" clId="Web-{031E6A1F-D05E-F2CC-3028-D07D04FBC3F5}" dt="2025-02-18T17:45:59.194" v="751"/>
-          <ac:picMkLst>
-            <pc:docMk/>
-            <pc:sldMk cId="4078909385" sldId="266"/>
-            <ac:picMk id="4" creationId="{728E32D1-429A-A5E1-F10F-FDAA6E81A327}"/>
-          </ac:picMkLst>
-        </pc:picChg>
-        <pc:picChg chg="add del mod">
-          <ac:chgData name="来宾用户" userId="" providerId="Windows Live" clId="Web-{031E6A1F-D05E-F2CC-3028-D07D04FBC3F5}" dt="2025-02-18T17:36:53.163" v="626"/>
-          <ac:picMkLst>
-            <pc:docMk/>
-            <pc:sldMk cId="4078909385" sldId="266"/>
-            <ac:picMk id="5" creationId="{8C68A6F6-B19E-FE1E-CBDA-B5DB7DF5B117}"/>
-          </ac:picMkLst>
-        </pc:picChg>
-        <pc:picChg chg="add del mod modCrop">
-          <ac:chgData name="来宾用户" userId="" providerId="Windows Live" clId="Web-{031E6A1F-D05E-F2CC-3028-D07D04FBC3F5}" dt="2025-02-18T17:45:34.850" v="742"/>
-          <ac:picMkLst>
-            <pc:docMk/>
-            <pc:sldMk cId="4078909385" sldId="266"/>
-            <ac:picMk id="9" creationId="{D655E139-4F5C-C946-22DA-500159A981E4}"/>
-          </ac:picMkLst>
-        </pc:picChg>
-        <pc:picChg chg="add mod modCrop">
-          <ac:chgData name="来宾用户" userId="" providerId="Windows Live" clId="Web-{031E6A1F-D05E-F2CC-3028-D07D04FBC3F5}" dt="2025-02-18T17:47:08.272" v="774" actId="1076"/>
-          <ac:picMkLst>
-            <pc:docMk/>
-            <pc:sldMk cId="4078909385" sldId="266"/>
-            <ac:picMk id="10" creationId="{6625AD47-AFE5-F191-7DBD-6E699EB2C2C1}"/>
-          </ac:picMkLst>
-        </pc:picChg>
-      </pc:sldChg>
-      <pc:sldChg chg="addSp delSp modSp add replId">
-        <pc:chgData name="来宾用户" userId="" providerId="Windows Live" clId="Web-{031E6A1F-D05E-F2CC-3028-D07D04FBC3F5}" dt="2025-02-18T18:23:42.365" v="970" actId="1076"/>
-        <pc:sldMkLst>
-          <pc:docMk/>
-          <pc:sldMk cId="1768545565" sldId="267"/>
-        </pc:sldMkLst>
-        <pc:spChg chg="add mod">
-          <ac:chgData name="来宾用户" userId="" providerId="Windows Live" clId="Web-{031E6A1F-D05E-F2CC-3028-D07D04FBC3F5}" dt="2025-02-18T17:56:55.459" v="895" actId="1076"/>
-          <ac:spMkLst>
-            <pc:docMk/>
-            <pc:sldMk cId="1768545565" sldId="267"/>
-            <ac:spMk id="6" creationId="{76E9193E-BA3E-A1D5-E3EF-9E52C1844248}"/>
-          </ac:spMkLst>
-        </pc:spChg>
-        <pc:spChg chg="add">
-          <ac:chgData name="来宾用户" userId="" providerId="Windows Live" clId="Web-{031E6A1F-D05E-F2CC-3028-D07D04FBC3F5}" dt="2025-02-18T18:22:31.959" v="960"/>
-          <ac:spMkLst>
-            <pc:docMk/>
-            <pc:sldMk cId="1768545565" sldId="267"/>
-            <ac:spMk id="11" creationId="{59CB5A35-AB89-A58E-430B-FBDE719C90B7}"/>
-          </ac:spMkLst>
-        </pc:spChg>
-        <pc:spChg chg="mod">
-          <ac:chgData name="来宾用户" userId="" providerId="Windows Live" clId="Web-{031E6A1F-D05E-F2CC-3028-D07D04FBC3F5}" dt="2025-02-18T17:47:56.741" v="802" actId="14100"/>
-          <ac:spMkLst>
-            <pc:docMk/>
-            <pc:sldMk cId="1768545565" sldId="267"/>
-            <ac:spMk id="13" creationId="{09161E00-50C7-AC13-F788-A6A4C72CE957}"/>
-          </ac:spMkLst>
-        </pc:spChg>
-        <pc:picChg chg="add del mod">
-          <ac:chgData name="来宾用户" userId="" providerId="Windows Live" clId="Web-{031E6A1F-D05E-F2CC-3028-D07D04FBC3F5}" dt="2025-02-18T18:18:32.334" v="911"/>
-          <ac:picMkLst>
-            <pc:docMk/>
-            <pc:sldMk cId="1768545565" sldId="267"/>
-            <ac:picMk id="2" creationId="{5135F936-5F5F-9FF5-DB84-516B56F2DC9E}"/>
-          </ac:picMkLst>
-        </pc:picChg>
-        <pc:picChg chg="del">
-          <ac:chgData name="来宾用户" userId="" providerId="Windows Live" clId="Web-{031E6A1F-D05E-F2CC-3028-D07D04FBC3F5}" dt="2025-02-18T17:48:04.960" v="803"/>
-          <ac:picMkLst>
-            <pc:docMk/>
-            <pc:sldMk cId="1768545565" sldId="267"/>
-            <ac:picMk id="3" creationId="{4DE19468-D8FD-7D10-190D-415B31EC8300}"/>
-          </ac:picMkLst>
-        </pc:picChg>
-        <pc:picChg chg="add del mod modCrop">
-          <ac:chgData name="来宾用户" userId="" providerId="Windows Live" clId="Web-{031E6A1F-D05E-F2CC-3028-D07D04FBC3F5}" dt="2025-02-18T18:20:27.943" v="915"/>
-          <ac:picMkLst>
-            <pc:docMk/>
-            <pc:sldMk cId="1768545565" sldId="267"/>
-            <ac:picMk id="4" creationId="{A336067B-AB41-63BF-1799-D7ADD72777E2}"/>
-          </ac:picMkLst>
-        </pc:picChg>
-        <pc:picChg chg="add mod">
-          <ac:chgData name="来宾用户" userId="" providerId="Windows Live" clId="Web-{031E6A1F-D05E-F2CC-3028-D07D04FBC3F5}" dt="2025-02-18T18:18:58.209" v="913" actId="1076"/>
-          <ac:picMkLst>
-            <pc:docMk/>
-            <pc:sldMk cId="1768545565" sldId="267"/>
-            <ac:picMk id="7" creationId="{C61090A4-357C-B1AE-6A72-12F3D0DC2C37}"/>
-          </ac:picMkLst>
-        </pc:picChg>
-        <pc:picChg chg="add del mod">
-          <ac:chgData name="来宾用户" userId="" providerId="Windows Live" clId="Web-{031E6A1F-D05E-F2CC-3028-D07D04FBC3F5}" dt="2025-02-18T18:23:22.006" v="964"/>
-          <ac:picMkLst>
-            <pc:docMk/>
-            <pc:sldMk cId="1768545565" sldId="267"/>
-            <ac:picMk id="8" creationId="{787AA573-5585-98F6-92A3-C91EFC0D3B35}"/>
-          </ac:picMkLst>
-        </pc:picChg>
-        <pc:picChg chg="del">
-          <ac:chgData name="来宾用户" userId="" providerId="Windows Live" clId="Web-{031E6A1F-D05E-F2CC-3028-D07D04FBC3F5}" dt="2025-02-18T17:48:20.866" v="807"/>
-          <ac:picMkLst>
-            <pc:docMk/>
-            <pc:sldMk cId="1768545565" sldId="267"/>
-            <ac:picMk id="10" creationId="{3CDC10EE-D73D-F156-1D3D-01A56A60FBDB}"/>
-          </ac:picMkLst>
-        </pc:picChg>
-        <pc:picChg chg="add mod">
-          <ac:chgData name="来宾用户" userId="" providerId="Windows Live" clId="Web-{031E6A1F-D05E-F2CC-3028-D07D04FBC3F5}" dt="2025-02-18T18:23:42.365" v="970" actId="1076"/>
-          <ac:picMkLst>
-            <pc:docMk/>
-            <pc:sldMk cId="1768545565" sldId="267"/>
-            <ac:picMk id="12" creationId="{20DC83B9-DA90-98D2-F85E-0C66EB236EDD}"/>
-          </ac:picMkLst>
-        </pc:picChg>
-      </pc:sldChg>
-      <pc:sldChg chg="addSp delSp modSp add replId">
-        <pc:chgData name="来宾用户" userId="" providerId="Windows Live" clId="Web-{031E6A1F-D05E-F2CC-3028-D07D04FBC3F5}" dt="2025-02-18T19:05:39.036" v="1354" actId="20577"/>
-        <pc:sldMkLst>
-          <pc:docMk/>
-          <pc:sldMk cId="2308948833" sldId="270"/>
-        </pc:sldMkLst>
-        <pc:spChg chg="add mod">
-          <ac:chgData name="来宾用户" userId="" providerId="Windows Live" clId="Web-{031E6A1F-D05E-F2CC-3028-D07D04FBC3F5}" dt="2025-02-18T19:05:03.317" v="1337"/>
-          <ac:spMkLst>
-            <pc:docMk/>
-            <pc:sldMk cId="2308948833" sldId="270"/>
-            <ac:spMk id="5" creationId="{BD7AF3AA-F9DA-E902-160F-FAC92DAD3D76}"/>
-          </ac:spMkLst>
-        </pc:spChg>
-        <pc:spChg chg="del">
-          <ac:chgData name="来宾用户" userId="" providerId="Windows Live" clId="Web-{031E6A1F-D05E-F2CC-3028-D07D04FBC3F5}" dt="2025-02-18T18:24:58.490" v="994"/>
-          <ac:spMkLst>
-            <pc:docMk/>
-            <pc:sldMk cId="2308948833" sldId="270"/>
-            <ac:spMk id="6" creationId="{AC5021D1-077A-AFEC-CA17-BFDB8AB4CDB4}"/>
-          </ac:spMkLst>
-        </pc:spChg>
-        <pc:spChg chg="add mod">
-          <ac:chgData name="来宾用户" userId="" providerId="Windows Live" clId="Web-{031E6A1F-D05E-F2CC-3028-D07D04FBC3F5}" dt="2025-02-18T19:05:39.036" v="1354" actId="20577"/>
-          <ac:spMkLst>
-            <pc:docMk/>
-            <pc:sldMk cId="2308948833" sldId="270"/>
-            <ac:spMk id="9" creationId="{3DBD94C0-791C-DFF8-57F5-FE414EE89896}"/>
-          </ac:spMkLst>
-        </pc:spChg>
-        <pc:spChg chg="del">
-          <ac:chgData name="来宾用户" userId="" providerId="Windows Live" clId="Web-{031E6A1F-D05E-F2CC-3028-D07D04FBC3F5}" dt="2025-02-18T18:25:01.240" v="995"/>
-          <ac:spMkLst>
-            <pc:docMk/>
-            <pc:sldMk cId="2308948833" sldId="270"/>
-            <ac:spMk id="11" creationId="{3499B003-263E-5C1E-E7F3-525606F8C1D9}"/>
-          </ac:spMkLst>
-        </pc:spChg>
-        <pc:spChg chg="del mod ord">
-          <ac:chgData name="来宾用户" userId="" providerId="Windows Live" clId="Web-{031E6A1F-D05E-F2CC-3028-D07D04FBC3F5}" dt="2025-02-18T18:55:18.911" v="1226"/>
-          <ac:spMkLst>
-            <pc:docMk/>
-            <pc:sldMk cId="2308948833" sldId="270"/>
-            <ac:spMk id="13" creationId="{422C5847-4026-1D62-BED1-26DE2E4D8267}"/>
-          </ac:spMkLst>
-        </pc:spChg>
-        <pc:spChg chg="del">
-          <ac:chgData name="来宾用户" userId="" providerId="Windows Live" clId="Web-{031E6A1F-D05E-F2CC-3028-D07D04FBC3F5}" dt="2025-02-18T18:54:45.349" v="1212"/>
-          <ac:spMkLst>
-            <pc:docMk/>
-            <pc:sldMk cId="2308948833" sldId="270"/>
-            <ac:spMk id="16" creationId="{FEC5B107-8A8B-0894-2332-E06D68FDE059}"/>
-          </ac:spMkLst>
-        </pc:spChg>
-        <pc:spChg chg="del">
-          <ac:chgData name="来宾用户" userId="" providerId="Windows Live" clId="Web-{031E6A1F-D05E-F2CC-3028-D07D04FBC3F5}" dt="2025-02-18T18:54:45.349" v="1212"/>
-          <ac:spMkLst>
-            <pc:docMk/>
-            <pc:sldMk cId="2308948833" sldId="270"/>
-            <ac:spMk id="18" creationId="{2DC3B886-3661-B2AC-9208-6E8FCB7C32CD}"/>
-          </ac:spMkLst>
-        </pc:spChg>
-        <pc:spChg chg="del">
-          <ac:chgData name="来宾用户" userId="" providerId="Windows Live" clId="Web-{031E6A1F-D05E-F2CC-3028-D07D04FBC3F5}" dt="2025-02-18T18:54:45.349" v="1212"/>
-          <ac:spMkLst>
-            <pc:docMk/>
-            <pc:sldMk cId="2308948833" sldId="270"/>
-            <ac:spMk id="20" creationId="{7BF7C4D5-AB04-5D96-02D7-F391D3F9072C}"/>
-          </ac:spMkLst>
-        </pc:spChg>
-        <pc:spChg chg="del">
-          <ac:chgData name="来宾用户" userId="" providerId="Windows Live" clId="Web-{031E6A1F-D05E-F2CC-3028-D07D04FBC3F5}" dt="2025-02-18T18:54:45.349" v="1212"/>
-          <ac:spMkLst>
-            <pc:docMk/>
-            <pc:sldMk cId="2308948833" sldId="270"/>
-            <ac:spMk id="22" creationId="{CBDBC580-CECB-7654-790A-A7D15367C74B}"/>
-          </ac:spMkLst>
-        </pc:spChg>
-        <pc:spChg chg="del">
-          <ac:chgData name="来宾用户" userId="" providerId="Windows Live" clId="Web-{031E6A1F-D05E-F2CC-3028-D07D04FBC3F5}" dt="2025-02-18T18:54:45.349" v="1212"/>
-          <ac:spMkLst>
-            <pc:docMk/>
-            <pc:sldMk cId="2308948833" sldId="270"/>
-            <ac:spMk id="24" creationId="{C57F6C33-28D1-9106-25AA-5D1CB9790C0D}"/>
-          </ac:spMkLst>
-        </pc:spChg>
-        <pc:spChg chg="add del mod">
-          <ac:chgData name="来宾用户" userId="" providerId="Windows Live" clId="Web-{031E6A1F-D05E-F2CC-3028-D07D04FBC3F5}" dt="2025-02-18T19:05:03.317" v="1337"/>
-          <ac:spMkLst>
-            <pc:docMk/>
-            <pc:sldMk cId="2308948833" sldId="270"/>
-            <ac:spMk id="29" creationId="{E73AF435-44C8-C44B-9352-ACFA393E2F29}"/>
-          </ac:spMkLst>
-        </pc:spChg>
-        <pc:spChg chg="add del">
-          <ac:chgData name="来宾用户" userId="" providerId="Windows Live" clId="Web-{031E6A1F-D05E-F2CC-3028-D07D04FBC3F5}" dt="2025-02-18T19:05:03.317" v="1337"/>
-          <ac:spMkLst>
-            <pc:docMk/>
-            <pc:sldMk cId="2308948833" sldId="270"/>
-            <ac:spMk id="31" creationId="{288058DF-7580-C88F-23F0-429412309B31}"/>
-          </ac:spMkLst>
-        </pc:spChg>
-        <pc:spChg chg="add del">
-          <ac:chgData name="来宾用户" userId="" providerId="Windows Live" clId="Web-{031E6A1F-D05E-F2CC-3028-D07D04FBC3F5}" dt="2025-02-18T19:05:03.317" v="1337"/>
-          <ac:spMkLst>
-            <pc:docMk/>
-            <pc:sldMk cId="2308948833" sldId="270"/>
-            <ac:spMk id="33" creationId="{43F82943-4565-9E0E-E9DB-5B7B417E670A}"/>
-          </ac:spMkLst>
-        </pc:spChg>
-        <pc:spChg chg="add">
-          <ac:chgData name="来宾用户" userId="" providerId="Windows Live" clId="Web-{031E6A1F-D05E-F2CC-3028-D07D04FBC3F5}" dt="2025-02-18T19:05:03.317" v="1337"/>
-          <ac:spMkLst>
-            <pc:docMk/>
-            <pc:sldMk cId="2308948833" sldId="270"/>
-            <ac:spMk id="38" creationId="{ADE57300-C7FF-4578-99A0-42B0295B123C}"/>
-          </ac:spMkLst>
-        </pc:spChg>
-        <pc:spChg chg="add">
-          <ac:chgData name="来宾用户" userId="" providerId="Windows Live" clId="Web-{031E6A1F-D05E-F2CC-3028-D07D04FBC3F5}" dt="2025-02-18T19:05:03.317" v="1337"/>
-          <ac:spMkLst>
-            <pc:docMk/>
-            <pc:sldMk cId="2308948833" sldId="270"/>
-            <ac:spMk id="40" creationId="{DB8F8250-7A81-4A19-87AD-FFB2CE4E39A5}"/>
-          </ac:spMkLst>
-        </pc:spChg>
-        <pc:spChg chg="add">
-          <ac:chgData name="来宾用户" userId="" providerId="Windows Live" clId="Web-{031E6A1F-D05E-F2CC-3028-D07D04FBC3F5}" dt="2025-02-18T19:05:03.317" v="1337"/>
-          <ac:spMkLst>
-            <pc:docMk/>
-            <pc:sldMk cId="2308948833" sldId="270"/>
-            <ac:spMk id="42" creationId="{499F38FC-2DEA-2647-C409-EF75720C1017}"/>
-          </ac:spMkLst>
-        </pc:spChg>
-        <pc:spChg chg="add">
-          <ac:chgData name="来宾用户" userId="" providerId="Windows Live" clId="Web-{031E6A1F-D05E-F2CC-3028-D07D04FBC3F5}" dt="2025-02-18T19:05:03.317" v="1337"/>
-          <ac:spMkLst>
-            <pc:docMk/>
-            <pc:sldMk cId="2308948833" sldId="270"/>
-            <ac:spMk id="44" creationId="{34C0330F-1D4F-4552-B799-615DD237B6DE}"/>
-          </ac:spMkLst>
-        </pc:spChg>
-        <pc:spChg chg="add">
-          <ac:chgData name="来宾用户" userId="" providerId="Windows Live" clId="Web-{031E6A1F-D05E-F2CC-3028-D07D04FBC3F5}" dt="2025-02-18T19:05:03.317" v="1337"/>
-          <ac:spMkLst>
-            <pc:docMk/>
-            <pc:sldMk cId="2308948833" sldId="270"/>
-            <ac:spMk id="46" creationId="{92BE0106-0C20-465B-A1BE-0BAC2737B1AD}"/>
-          </ac:spMkLst>
-        </pc:spChg>
-        <pc:picChg chg="add del mod modCrop">
-          <ac:chgData name="来宾用户" userId="" providerId="Windows Live" clId="Web-{031E6A1F-D05E-F2CC-3028-D07D04FBC3F5}" dt="2025-02-18T18:41:44.271" v="1116"/>
-          <ac:picMkLst>
-            <pc:docMk/>
-            <pc:sldMk cId="2308948833" sldId="270"/>
-            <ac:picMk id="2" creationId="{EB9C4B17-5425-34C7-785A-5DDC957EC527}"/>
-          </ac:picMkLst>
-        </pc:picChg>
-        <pc:picChg chg="add del mod">
-          <ac:chgData name="来宾用户" userId="" providerId="Windows Live" clId="Web-{031E6A1F-D05E-F2CC-3028-D07D04FBC3F5}" dt="2025-02-18T18:41:37.146" v="1115"/>
-          <ac:picMkLst>
-            <pc:docMk/>
-            <pc:sldMk cId="2308948833" sldId="270"/>
-            <ac:picMk id="3" creationId="{34790656-AECC-07D3-837B-A07C8397DD58}"/>
-          </ac:picMkLst>
-        </pc:picChg>
-        <pc:picChg chg="add mod modCrop">
-          <ac:chgData name="来宾用户" userId="" providerId="Windows Live" clId="Web-{031E6A1F-D05E-F2CC-3028-D07D04FBC3F5}" dt="2025-02-18T18:58:34.614" v="1238" actId="1076"/>
-          <ac:picMkLst>
-            <pc:docMk/>
-            <pc:sldMk cId="2308948833" sldId="270"/>
-            <ac:picMk id="4" creationId="{B4579C50-F8A8-5953-DF8D-6765B335DCB7}"/>
-          </ac:picMkLst>
-        </pc:picChg>
-        <pc:picChg chg="del">
-          <ac:chgData name="来宾用户" userId="" providerId="Windows Live" clId="Web-{031E6A1F-D05E-F2CC-3028-D07D04FBC3F5}" dt="2025-02-18T18:24:34.349" v="972"/>
-          <ac:picMkLst>
-            <pc:docMk/>
-            <pc:sldMk cId="2308948833" sldId="270"/>
-            <ac:picMk id="7" creationId="{2D09E213-A15A-9D12-0A2B-B409C9279771}"/>
-          </ac:picMkLst>
-        </pc:picChg>
-        <pc:picChg chg="del">
-          <ac:chgData name="来宾用户" userId="" providerId="Windows Live" clId="Web-{031E6A1F-D05E-F2CC-3028-D07D04FBC3F5}" dt="2025-02-18T18:24:34.678" v="973"/>
-          <ac:picMkLst>
-            <pc:docMk/>
-            <pc:sldMk cId="2308948833" sldId="270"/>
-            <ac:picMk id="12" creationId="{FADEAD7E-D4A3-1802-7342-4EA62B0527B5}"/>
-          </ac:picMkLst>
-        </pc:picChg>
-      </pc:sldChg>
-      <pc:sldChg chg="modSp add replId">
-        <pc:chgData name="来宾用户" userId="" providerId="Windows Live" clId="Web-{031E6A1F-D05E-F2CC-3028-D07D04FBC3F5}" dt="2025-02-18T18:27:07.678" v="1009" actId="20577"/>
-        <pc:sldMkLst>
-          <pc:docMk/>
-          <pc:sldMk cId="4239260069" sldId="271"/>
-        </pc:sldMkLst>
-        <pc:spChg chg="mod">
-          <ac:chgData name="来宾用户" userId="" providerId="Windows Live" clId="Web-{031E6A1F-D05E-F2CC-3028-D07D04FBC3F5}" dt="2025-02-18T18:27:07.678" v="1009" actId="20577"/>
-          <ac:spMkLst>
-            <pc:docMk/>
-            <pc:sldMk cId="4239260069" sldId="271"/>
-            <ac:spMk id="13" creationId="{AF3F47ED-D3A2-6AE2-FBD2-DDEDC4D90367}"/>
-          </ac:spMkLst>
-        </pc:spChg>
-      </pc:sldChg>
-      <pc:sldChg chg="addSp delSp modSp add replId">
-        <pc:chgData name="来宾用户" userId="" providerId="Windows Live" clId="Web-{031E6A1F-D05E-F2CC-3028-D07D04FBC3F5}" dt="2025-02-18T19:04:33.317" v="1336" actId="14100"/>
-        <pc:sldMkLst>
-          <pc:docMk/>
-          <pc:sldMk cId="1922285952" sldId="273"/>
-        </pc:sldMkLst>
-        <pc:spChg chg="add mod">
-          <ac:chgData name="来宾用户" userId="" providerId="Windows Live" clId="Web-{031E6A1F-D05E-F2CC-3028-D07D04FBC3F5}" dt="2025-02-18T19:04:33.317" v="1336" actId="14100"/>
-          <ac:spMkLst>
-            <pc:docMk/>
-            <pc:sldMk cId="1922285952" sldId="273"/>
-            <ac:spMk id="5" creationId="{9EE0A72C-0267-66DE-7018-2E9DCB622ADF}"/>
-          </ac:spMkLst>
-        </pc:spChg>
-        <pc:spChg chg="add">
-          <ac:chgData name="来宾用户" userId="" providerId="Windows Live" clId="Web-{031E6A1F-D05E-F2CC-3028-D07D04FBC3F5}" dt="2025-02-18T18:53:43.802" v="1210"/>
-          <ac:spMkLst>
-            <pc:docMk/>
-            <pc:sldMk cId="1922285952" sldId="273"/>
-            <ac:spMk id="7" creationId="{5572723D-23B3-BA13-7F61-15C4ECA75D51}"/>
-          </ac:spMkLst>
-        </pc:spChg>
-        <pc:spChg chg="del">
-          <ac:chgData name="来宾用户" userId="" providerId="Windows Live" clId="Web-{031E6A1F-D05E-F2CC-3028-D07D04FBC3F5}" dt="2025-02-18T18:53:34.614" v="1208"/>
-          <ac:spMkLst>
-            <pc:docMk/>
-            <pc:sldMk cId="1922285952" sldId="273"/>
-            <ac:spMk id="17" creationId="{43BEAA28-14E7-EFEC-BA69-F11F1B3FA922}"/>
-          </ac:spMkLst>
-        </pc:spChg>
-        <pc:spChg chg="del">
-          <ac:chgData name="来宾用户" userId="" providerId="Windows Live" clId="Web-{031E6A1F-D05E-F2CC-3028-D07D04FBC3F5}" dt="2025-02-18T18:53:47.114" v="1211"/>
-          <ac:spMkLst>
-            <pc:docMk/>
-            <pc:sldMk cId="1922285952" sldId="273"/>
-            <ac:spMk id="21" creationId="{DE1B2E45-0C14-971B-CFB1-3ABD3A06AAF7}"/>
-          </ac:spMkLst>
-        </pc:spChg>
-        <pc:picChg chg="add">
-          <ac:chgData name="来宾用户" userId="" providerId="Windows Live" clId="Web-{031E6A1F-D05E-F2CC-3028-D07D04FBC3F5}" dt="2025-02-18T18:53:26.427" v="1207"/>
-          <ac:picMkLst>
-            <pc:docMk/>
-            <pc:sldMk cId="1922285952" sldId="273"/>
-            <ac:picMk id="3" creationId="{8F200CC2-20E1-3564-A761-6F4A44FCA474}"/>
-          </ac:picMkLst>
-        </pc:picChg>
-        <pc:picChg chg="del">
-          <ac:chgData name="来宾用户" userId="" providerId="Windows Live" clId="Web-{031E6A1F-D05E-F2CC-3028-D07D04FBC3F5}" dt="2025-02-18T18:53:25.896" v="1206"/>
-          <ac:picMkLst>
-            <pc:docMk/>
-            <pc:sldMk cId="1922285952" sldId="273"/>
-            <ac:picMk id="23" creationId="{E06D9FDF-9A06-C38C-AECB-0E9AF69C7CA9}"/>
-          </ac:picMkLst>
-        </pc:picChg>
-      </pc:sldChg>
-      <pc:sldMasterChg chg="modSp modSldLayout">
-        <pc:chgData name="来宾用户" userId="" providerId="Windows Live" clId="Web-{031E6A1F-D05E-F2CC-3028-D07D04FBC3F5}" dt="2025-02-18T16:35:01.712" v="30"/>
-        <pc:sldMasterMkLst>
-          <pc:docMk/>
-          <pc:sldMasterMk cId="3957032696" sldId="2147483724"/>
-        </pc:sldMasterMkLst>
-        <pc:spChg chg="mod">
-          <ac:chgData name="来宾用户" userId="" providerId="Windows Live" clId="Web-{031E6A1F-D05E-F2CC-3028-D07D04FBC3F5}" dt="2025-02-18T16:35:01.712" v="30"/>
-          <ac:spMkLst>
-            <pc:docMk/>
-            <pc:sldMasterMk cId="3957032696" sldId="2147483724"/>
-            <ac:spMk id="2" creationId="{8D61AD20-E240-4E6F-AF91-689F7AEEE33A}"/>
-          </ac:spMkLst>
-        </pc:spChg>
-        <pc:spChg chg="mod">
-          <ac:chgData name="来宾用户" userId="" providerId="Windows Live" clId="Web-{031E6A1F-D05E-F2CC-3028-D07D04FBC3F5}" dt="2025-02-18T16:35:01.712" v="30"/>
-          <ac:spMkLst>
-            <pc:docMk/>
-            <pc:sldMasterMk cId="3957032696" sldId="2147483724"/>
-            <ac:spMk id="3" creationId="{42E78801-35D1-4C19-BC2B-EAC7EE917E73}"/>
-          </ac:spMkLst>
-        </pc:spChg>
-        <pc:spChg chg="mod">
-          <ac:chgData name="来宾用户" userId="" providerId="Windows Live" clId="Web-{031E6A1F-D05E-F2CC-3028-D07D04FBC3F5}" dt="2025-02-18T16:35:01.712" v="30"/>
-          <ac:spMkLst>
-            <pc:docMk/>
-            <pc:sldMasterMk cId="3957032696" sldId="2147483724"/>
-            <ac:spMk id="4" creationId="{01282A45-C5B9-4575-8E28-A35767B4D71C}"/>
-          </ac:spMkLst>
-        </pc:spChg>
-        <pc:spChg chg="mod">
-          <ac:chgData name="来宾用户" userId="" providerId="Windows Live" clId="Web-{031E6A1F-D05E-F2CC-3028-D07D04FBC3F5}" dt="2025-02-18T16:35:01.712" v="30"/>
-          <ac:spMkLst>
-            <pc:docMk/>
-            <pc:sldMasterMk cId="3957032696" sldId="2147483724"/>
-            <ac:spMk id="5" creationId="{2E9D0933-AA03-4018-8E37-004CFB9F61D6}"/>
-          </ac:spMkLst>
-        </pc:spChg>
-        <pc:spChg chg="mod">
-          <ac:chgData name="来宾用户" userId="" providerId="Windows Live" clId="Web-{031E6A1F-D05E-F2CC-3028-D07D04FBC3F5}" dt="2025-02-18T16:35:01.712" v="30"/>
-          <ac:spMkLst>
-            <pc:docMk/>
-            <pc:sldMasterMk cId="3957032696" sldId="2147483724"/>
-            <ac:spMk id="6" creationId="{BCCF282A-DF4A-4A2D-9672-8F0F770A3F1A}"/>
-          </ac:spMkLst>
-        </pc:spChg>
-        <pc:spChg chg="mod">
-          <ac:chgData name="来宾用户" userId="" providerId="Windows Live" clId="Web-{031E6A1F-D05E-F2CC-3028-D07D04FBC3F5}" dt="2025-02-18T16:35:01.712" v="30"/>
-          <ac:spMkLst>
-            <pc:docMk/>
-            <pc:sldMasterMk cId="3957032696" sldId="2147483724"/>
-            <ac:spMk id="7" creationId="{499F38FC-2DEA-2647-C409-EF75720C1017}"/>
-          </ac:spMkLst>
-        </pc:spChg>
-        <pc:spChg chg="mod">
-          <ac:chgData name="来宾用户" userId="" providerId="Windows Live" clId="Web-{031E6A1F-D05E-F2CC-3028-D07D04FBC3F5}" dt="2025-02-18T16:35:01.712" v="30"/>
-          <ac:spMkLst>
-            <pc:docMk/>
-            <pc:sldMasterMk cId="3957032696" sldId="2147483724"/>
-            <ac:spMk id="8" creationId="{DB8F8250-7A81-4A19-87AD-FFB2CE4E39A5}"/>
-          </ac:spMkLst>
-        </pc:spChg>
-        <pc:spChg chg="mod">
-          <ac:chgData name="来宾用户" userId="" providerId="Windows Live" clId="Web-{031E6A1F-D05E-F2CC-3028-D07D04FBC3F5}" dt="2025-02-18T16:35:01.712" v="30"/>
-          <ac:spMkLst>
-            <pc:docMk/>
-            <pc:sldMasterMk cId="3957032696" sldId="2147483724"/>
-            <ac:spMk id="14" creationId="{ADE57300-C7FF-4578-99A0-42B0295B123C}"/>
-          </ac:spMkLst>
-        </pc:spChg>
-        <pc:sldLayoutChg chg="modSp">
-          <pc:chgData name="来宾用户" userId="" providerId="Windows Live" clId="Web-{031E6A1F-D05E-F2CC-3028-D07D04FBC3F5}" dt="2025-02-18T16:35:01.712" v="30"/>
-          <pc:sldLayoutMkLst>
-            <pc:docMk/>
-            <pc:sldMasterMk cId="3957032696" sldId="2147483724"/>
-            <pc:sldLayoutMk cId="1660304396" sldId="2147483714"/>
-          </pc:sldLayoutMkLst>
-          <pc:spChg chg="mod">
-            <ac:chgData name="来宾用户" userId="" providerId="Windows Live" clId="Web-{031E6A1F-D05E-F2CC-3028-D07D04FBC3F5}" dt="2025-02-18T16:35:01.712" v="30"/>
-            <ac:spMkLst>
-              <pc:docMk/>
-              <pc:sldMasterMk cId="3957032696" sldId="2147483724"/>
-              <pc:sldLayoutMk cId="1660304396" sldId="2147483714"/>
-              <ac:spMk id="2" creationId="{E5BF191C-AF68-4230-A7B2-F8F07B486EDC}"/>
-            </ac:spMkLst>
-          </pc:spChg>
-          <pc:spChg chg="mod">
-            <ac:chgData name="来宾用户" userId="" providerId="Windows Live" clId="Web-{031E6A1F-D05E-F2CC-3028-D07D04FBC3F5}" dt="2025-02-18T16:35:01.712" v="30"/>
-            <ac:spMkLst>
-              <pc:docMk/>
-              <pc:sldMasterMk cId="3957032696" sldId="2147483724"/>
-              <pc:sldLayoutMk cId="1660304396" sldId="2147483714"/>
-              <ac:spMk id="3" creationId="{358F9F11-5FCF-4D7E-BA51-38CB84277DC9}"/>
-            </ac:spMkLst>
-          </pc:spChg>
-          <pc:spChg chg="mod">
-            <ac:chgData name="来宾用户" userId="" providerId="Windows Live" clId="Web-{031E6A1F-D05E-F2CC-3028-D07D04FBC3F5}" dt="2025-02-18T16:35:01.712" v="30"/>
-            <ac:spMkLst>
-              <pc:docMk/>
-              <pc:sldMasterMk cId="3957032696" sldId="2147483724"/>
-              <pc:sldLayoutMk cId="1660304396" sldId="2147483714"/>
-              <ac:spMk id="4" creationId="{373B519B-06C0-41BC-95FB-FB1FE436375E}"/>
-            </ac:spMkLst>
-          </pc:spChg>
-        </pc:sldLayoutChg>
-        <pc:sldLayoutChg chg="modSp">
-          <pc:chgData name="来宾用户" userId="" providerId="Windows Live" clId="Web-{031E6A1F-D05E-F2CC-3028-D07D04FBC3F5}" dt="2025-02-18T16:35:01.712" v="30"/>
-          <pc:sldLayoutMkLst>
-            <pc:docMk/>
-            <pc:sldMasterMk cId="3957032696" sldId="2147483724"/>
-            <pc:sldLayoutMk cId="4110774755" sldId="2147483715"/>
-          </pc:sldLayoutMkLst>
-          <pc:spChg chg="mod">
-            <ac:chgData name="来宾用户" userId="" providerId="Windows Live" clId="Web-{031E6A1F-D05E-F2CC-3028-D07D04FBC3F5}" dt="2025-02-18T16:35:01.712" v="30"/>
-            <ac:spMkLst>
-              <pc:docMk/>
-              <pc:sldMasterMk cId="3957032696" sldId="2147483724"/>
-              <pc:sldLayoutMk cId="4110774755" sldId="2147483715"/>
-              <ac:spMk id="2" creationId="{4E198B43-D1CE-43F4-A367-EF1FE9688913}"/>
-            </ac:spMkLst>
-          </pc:spChg>
-          <pc:spChg chg="mod">
-            <ac:chgData name="来宾用户" userId="" providerId="Windows Live" clId="Web-{031E6A1F-D05E-F2CC-3028-D07D04FBC3F5}" dt="2025-02-18T16:35:01.712" v="30"/>
-            <ac:spMkLst>
-              <pc:docMk/>
-              <pc:sldMasterMk cId="3957032696" sldId="2147483724"/>
-              <pc:sldLayoutMk cId="4110774755" sldId="2147483715"/>
-              <ac:spMk id="3" creationId="{E2B73978-8CDF-4C0E-ABA1-7291A0347362}"/>
-            </ac:spMkLst>
-          </pc:spChg>
-          <pc:spChg chg="mod">
-            <ac:chgData name="来宾用户" userId="" providerId="Windows Live" clId="Web-{031E6A1F-D05E-F2CC-3028-D07D04FBC3F5}" dt="2025-02-18T16:35:01.712" v="30"/>
-            <ac:spMkLst>
-              <pc:docMk/>
-              <pc:sldMasterMk cId="3957032696" sldId="2147483724"/>
-              <pc:sldLayoutMk cId="4110774755" sldId="2147483715"/>
-              <ac:spMk id="4" creationId="{45BECC62-ED45-451E-BEC5-A03C6A554D26}"/>
-            </ac:spMkLst>
-          </pc:spChg>
-        </pc:sldLayoutChg>
-        <pc:sldLayoutChg chg="modSp">
-          <pc:chgData name="来宾用户" userId="" providerId="Windows Live" clId="Web-{031E6A1F-D05E-F2CC-3028-D07D04FBC3F5}" dt="2025-02-18T16:35:01.712" v="30"/>
-          <pc:sldLayoutMkLst>
-            <pc:docMk/>
-            <pc:sldMasterMk cId="3957032696" sldId="2147483724"/>
-            <pc:sldLayoutMk cId="1268502174" sldId="2147483718"/>
-          </pc:sldLayoutMkLst>
-          <pc:spChg chg="mod">
-            <ac:chgData name="来宾用户" userId="" providerId="Windows Live" clId="Web-{031E6A1F-D05E-F2CC-3028-D07D04FBC3F5}" dt="2025-02-18T16:35:01.712" v="30"/>
-            <ac:spMkLst>
-              <pc:docMk/>
-              <pc:sldMasterMk cId="3957032696" sldId="2147483724"/>
-              <pc:sldLayoutMk cId="1268502174" sldId="2147483718"/>
-              <ac:spMk id="2" creationId="{5A50133B-2446-4168-AA17-6538910668FD}"/>
-            </ac:spMkLst>
-          </pc:spChg>
-          <pc:spChg chg="mod">
-            <ac:chgData name="来宾用户" userId="" providerId="Windows Live" clId="Web-{031E6A1F-D05E-F2CC-3028-D07D04FBC3F5}" dt="2025-02-18T16:35:01.712" v="30"/>
-            <ac:spMkLst>
-              <pc:docMk/>
-              <pc:sldMasterMk cId="3957032696" sldId="2147483724"/>
-              <pc:sldLayoutMk cId="1268502174" sldId="2147483718"/>
-              <ac:spMk id="3" creationId="{C006A9AD-2756-4C51-A958-6756301EB938}"/>
-            </ac:spMkLst>
-          </pc:spChg>
-          <pc:spChg chg="mod">
-            <ac:chgData name="来宾用户" userId="" providerId="Windows Live" clId="Web-{031E6A1F-D05E-F2CC-3028-D07D04FBC3F5}" dt="2025-02-18T16:35:01.712" v="30"/>
-            <ac:spMkLst>
-              <pc:docMk/>
-              <pc:sldMasterMk cId="3957032696" sldId="2147483724"/>
-              <pc:sldLayoutMk cId="1268502174" sldId="2147483718"/>
-              <ac:spMk id="12" creationId="{4618136A-0796-46EB-89BB-4C73C0258FE9}"/>
-            </ac:spMkLst>
-          </pc:spChg>
-        </pc:sldLayoutChg>
-        <pc:sldLayoutChg chg="modSp">
-          <pc:chgData name="来宾用户" userId="" providerId="Windows Live" clId="Web-{031E6A1F-D05E-F2CC-3028-D07D04FBC3F5}" dt="2025-02-18T16:35:01.712" v="30"/>
-          <pc:sldLayoutMkLst>
-            <pc:docMk/>
-            <pc:sldMasterMk cId="3957032696" sldId="2147483724"/>
-            <pc:sldLayoutMk cId="1032848901" sldId="2147483719"/>
-          </pc:sldLayoutMkLst>
-          <pc:spChg chg="mod">
-            <ac:chgData name="来宾用户" userId="" providerId="Windows Live" clId="Web-{031E6A1F-D05E-F2CC-3028-D07D04FBC3F5}" dt="2025-02-18T16:35:01.712" v="30"/>
-            <ac:spMkLst>
-              <pc:docMk/>
-              <pc:sldMasterMk cId="3957032696" sldId="2147483724"/>
-              <pc:sldLayoutMk cId="1032848901" sldId="2147483719"/>
-              <ac:spMk id="2" creationId="{47B58E14-23EC-4C25-974C-48FA83988655}"/>
-            </ac:spMkLst>
-          </pc:spChg>
-          <pc:spChg chg="mod">
-            <ac:chgData name="来宾用户" userId="" providerId="Windows Live" clId="Web-{031E6A1F-D05E-F2CC-3028-D07D04FBC3F5}" dt="2025-02-18T16:35:01.712" v="30"/>
-            <ac:spMkLst>
-              <pc:docMk/>
-              <pc:sldMasterMk cId="3957032696" sldId="2147483724"/>
-              <pc:sldLayoutMk cId="1032848901" sldId="2147483719"/>
-              <ac:spMk id="3" creationId="{2E9FEDD4-20A1-49F6-9E3E-0B26B426BB73}"/>
-            </ac:spMkLst>
-          </pc:spChg>
-          <pc:spChg chg="mod">
-            <ac:chgData name="来宾用户" userId="" providerId="Windows Live" clId="Web-{031E6A1F-D05E-F2CC-3028-D07D04FBC3F5}" dt="2025-02-18T16:35:01.712" v="30"/>
-            <ac:spMkLst>
-              <pc:docMk/>
-              <pc:sldMasterMk cId="3957032696" sldId="2147483724"/>
-              <pc:sldLayoutMk cId="1032848901" sldId="2147483719"/>
-              <ac:spMk id="8" creationId="{F3FF94B3-6D3E-44FE-BB02-A9027C0003C7}"/>
-            </ac:spMkLst>
-          </pc:spChg>
-        </pc:sldLayoutChg>
-        <pc:sldLayoutChg chg="modSp">
-          <pc:chgData name="来宾用户" userId="" providerId="Windows Live" clId="Web-{031E6A1F-D05E-F2CC-3028-D07D04FBC3F5}" dt="2025-02-18T16:35:01.712" v="30"/>
-          <pc:sldLayoutMkLst>
-            <pc:docMk/>
-            <pc:sldMasterMk cId="3957032696" sldId="2147483724"/>
-            <pc:sldLayoutMk cId="1357184478" sldId="2147483721"/>
-          </pc:sldLayoutMkLst>
-          <pc:spChg chg="mod">
-            <ac:chgData name="来宾用户" userId="" providerId="Windows Live" clId="Web-{031E6A1F-D05E-F2CC-3028-D07D04FBC3F5}" dt="2025-02-18T16:35:01.712" v="30"/>
-            <ac:spMkLst>
-              <pc:docMk/>
-              <pc:sldMasterMk cId="3957032696" sldId="2147483724"/>
-              <pc:sldLayoutMk cId="1357184478" sldId="2147483721"/>
-              <ac:spMk id="2" creationId="{677BAC1C-A332-4BA5-8C9C-FE0396C81619}"/>
-            </ac:spMkLst>
-          </pc:spChg>
-          <pc:spChg chg="mod">
-            <ac:chgData name="来宾用户" userId="" providerId="Windows Live" clId="Web-{031E6A1F-D05E-F2CC-3028-D07D04FBC3F5}" dt="2025-02-18T16:35:01.712" v="30"/>
-            <ac:spMkLst>
-              <pc:docMk/>
-              <pc:sldMasterMk cId="3957032696" sldId="2147483724"/>
-              <pc:sldLayoutMk cId="1357184478" sldId="2147483721"/>
-              <ac:spMk id="3" creationId="{50D8D137-710E-4125-B5E9-F63E7F1C9C9D}"/>
-            </ac:spMkLst>
-          </pc:spChg>
-        </pc:sldLayoutChg>
-        <pc:sldLayoutChg chg="modSp">
-          <pc:chgData name="来宾用户" userId="" providerId="Windows Live" clId="Web-{031E6A1F-D05E-F2CC-3028-D07D04FBC3F5}" dt="2025-02-18T16:35:01.712" v="30"/>
-          <pc:sldLayoutMkLst>
-            <pc:docMk/>
-            <pc:sldMasterMk cId="3957032696" sldId="2147483724"/>
-            <pc:sldLayoutMk cId="3543651175" sldId="2147483722"/>
-          </pc:sldLayoutMkLst>
-          <pc:spChg chg="mod">
-            <ac:chgData name="来宾用户" userId="" providerId="Windows Live" clId="Web-{031E6A1F-D05E-F2CC-3028-D07D04FBC3F5}" dt="2025-02-18T16:35:01.712" v="30"/>
-            <ac:spMkLst>
-              <pc:docMk/>
-              <pc:sldMasterMk cId="3957032696" sldId="2147483724"/>
-              <pc:sldLayoutMk cId="3543651175" sldId="2147483722"/>
-              <ac:spMk id="2" creationId="{5B604B06-C54A-4B7B-B6D1-436428EAF8E2}"/>
-            </ac:spMkLst>
-          </pc:spChg>
-          <pc:spChg chg="mod">
-            <ac:chgData name="来宾用户" userId="" providerId="Windows Live" clId="Web-{031E6A1F-D05E-F2CC-3028-D07D04FBC3F5}" dt="2025-02-18T16:35:01.712" v="30"/>
-            <ac:spMkLst>
-              <pc:docMk/>
-              <pc:sldMasterMk cId="3957032696" sldId="2147483724"/>
-              <pc:sldLayoutMk cId="3543651175" sldId="2147483722"/>
-              <ac:spMk id="3" creationId="{E5723919-9A2F-4D97-8F31-6E35BD5975B0}"/>
-            </ac:spMkLst>
-          </pc:spChg>
-          <pc:spChg chg="mod">
-            <ac:chgData name="来宾用户" userId="" providerId="Windows Live" clId="Web-{031E6A1F-D05E-F2CC-3028-D07D04FBC3F5}" dt="2025-02-18T16:35:01.712" v="30"/>
-            <ac:spMkLst>
-              <pc:docMk/>
-              <pc:sldMasterMk cId="3957032696" sldId="2147483724"/>
-              <pc:sldLayoutMk cId="3543651175" sldId="2147483722"/>
-              <ac:spMk id="4" creationId="{7F8DA345-F684-4BAA-A22C-E725B3A6037F}"/>
-            </ac:spMkLst>
-          </pc:spChg>
-        </pc:sldLayoutChg>
-        <pc:sldLayoutChg chg="modSp">
-          <pc:chgData name="来宾用户" userId="" providerId="Windows Live" clId="Web-{031E6A1F-D05E-F2CC-3028-D07D04FBC3F5}" dt="2025-02-18T16:35:01.712" v="30"/>
-          <pc:sldLayoutMkLst>
-            <pc:docMk/>
-            <pc:sldMasterMk cId="3957032696" sldId="2147483724"/>
-            <pc:sldLayoutMk cId="1268461103" sldId="2147483723"/>
-          </pc:sldLayoutMkLst>
-          <pc:spChg chg="mod">
-            <ac:chgData name="来宾用户" userId="" providerId="Windows Live" clId="Web-{031E6A1F-D05E-F2CC-3028-D07D04FBC3F5}" dt="2025-02-18T16:35:01.712" v="30"/>
-            <ac:spMkLst>
-              <pc:docMk/>
-              <pc:sldMasterMk cId="3957032696" sldId="2147483724"/>
-              <pc:sldLayoutMk cId="1268461103" sldId="2147483723"/>
-              <ac:spMk id="2" creationId="{FCB11C00-F7CB-4484-807A-D12745CD3CC8}"/>
-            </ac:spMkLst>
-          </pc:spChg>
-          <pc:spChg chg="mod">
-            <ac:chgData name="来宾用户" userId="" providerId="Windows Live" clId="Web-{031E6A1F-D05E-F2CC-3028-D07D04FBC3F5}" dt="2025-02-18T16:35:01.712" v="30"/>
-            <ac:spMkLst>
-              <pc:docMk/>
-              <pc:sldMasterMk cId="3957032696" sldId="2147483724"/>
-              <pc:sldLayoutMk cId="1268461103" sldId="2147483723"/>
-              <ac:spMk id="3" creationId="{30FAAA6E-E243-48B3-9585-3C1420B3E19F}"/>
-            </ac:spMkLst>
-          </pc:spChg>
-          <pc:spChg chg="mod">
-            <ac:chgData name="来宾用户" userId="" providerId="Windows Live" clId="Web-{031E6A1F-D05E-F2CC-3028-D07D04FBC3F5}" dt="2025-02-18T16:35:01.712" v="30"/>
-            <ac:spMkLst>
-              <pc:docMk/>
-              <pc:sldMasterMk cId="3957032696" sldId="2147483724"/>
-              <pc:sldLayoutMk cId="1268461103" sldId="2147483723"/>
-              <ac:spMk id="4" creationId="{46ED01B8-0F2E-41A4-B21C-334393F6A677}"/>
-            </ac:spMkLst>
-          </pc:spChg>
-          <pc:spChg chg="mod">
-            <ac:chgData name="来宾用户" userId="" providerId="Windows Live" clId="Web-{031E6A1F-D05E-F2CC-3028-D07D04FBC3F5}" dt="2025-02-18T16:35:01.712" v="30"/>
-            <ac:spMkLst>
-              <pc:docMk/>
-              <pc:sldMasterMk cId="3957032696" sldId="2147483724"/>
-              <pc:sldLayoutMk cId="1268461103" sldId="2147483723"/>
-              <ac:spMk id="5" creationId="{9A89B23F-3E60-415A-9CE7-0928B5CFB2B3}"/>
-            </ac:spMkLst>
-          </pc:spChg>
-          <pc:spChg chg="mod">
-            <ac:chgData name="来宾用户" userId="" providerId="Windows Live" clId="Web-{031E6A1F-D05E-F2CC-3028-D07D04FBC3F5}" dt="2025-02-18T16:35:01.712" v="30"/>
-            <ac:spMkLst>
-              <pc:docMk/>
-              <pc:sldMasterMk cId="3957032696" sldId="2147483724"/>
-              <pc:sldLayoutMk cId="1268461103" sldId="2147483723"/>
-              <ac:spMk id="6" creationId="{A0223446-0CDC-402B-8D71-D9D29F6DFFCC}"/>
-            </ac:spMkLst>
-          </pc:spChg>
-          <pc:spChg chg="mod">
-            <ac:chgData name="来宾用户" userId="" providerId="Windows Live" clId="Web-{031E6A1F-D05E-F2CC-3028-D07D04FBC3F5}" dt="2025-02-18T16:35:01.712" v="30"/>
-            <ac:spMkLst>
-              <pc:docMk/>
-              <pc:sldMasterMk cId="3957032696" sldId="2147483724"/>
-              <pc:sldLayoutMk cId="1268461103" sldId="2147483723"/>
-              <ac:spMk id="7" creationId="{002B77D3-C6EC-4FFD-9E10-24E1AC542019}"/>
-            </ac:spMkLst>
-          </pc:spChg>
-          <pc:spChg chg="mod">
-            <ac:chgData name="来宾用户" userId="" providerId="Windows Live" clId="Web-{031E6A1F-D05E-F2CC-3028-D07D04FBC3F5}" dt="2025-02-18T16:35:01.712" v="30"/>
-            <ac:spMkLst>
-              <pc:docMk/>
-              <pc:sldMasterMk cId="3957032696" sldId="2147483724"/>
-              <pc:sldLayoutMk cId="1268461103" sldId="2147483723"/>
-              <ac:spMk id="13" creationId="{A2291277-967B-4176-B40B-9EC360626994}"/>
-            </ac:spMkLst>
-          </pc:spChg>
-        </pc:sldLayoutChg>
-      </pc:sldMasterChg>
-    </pc:docChg>
-  </pc:docChgLst>
-  <pc:docChgLst>
-    <pc:chgData name="Cameron Meekums-Spence" userId="11646302108362c9" providerId="LiveId" clId="{C24AD4ED-B0D6-4A90-B7A1-6B9FF25157A3}"/>
-    <pc:docChg chg="undo custSel addSld delSld modSld sldOrd">
-      <pc:chgData name="Cameron Meekums-Spence" userId="11646302108362c9" providerId="LiveId" clId="{C24AD4ED-B0D6-4A90-B7A1-6B9FF25157A3}" dt="2025-02-19T15:53:28.156" v="1919" actId="20577"/>
-      <pc:docMkLst>
-        <pc:docMk/>
-      </pc:docMkLst>
-      <pc:sldChg chg="addSp delSp modSp mod modNotesTx">
-        <pc:chgData name="Cameron Meekums-Spence" userId="11646302108362c9" providerId="LiveId" clId="{C24AD4ED-B0D6-4A90-B7A1-6B9FF25157A3}" dt="2025-02-19T15:29:34.971" v="1652" actId="14100"/>
-        <pc:sldMkLst>
-          <pc:docMk/>
-          <pc:sldMk cId="917575798" sldId="258"/>
-        </pc:sldMkLst>
-        <pc:spChg chg="mod">
-          <ac:chgData name="Cameron Meekums-Spence" userId="11646302108362c9" providerId="LiveId" clId="{C24AD4ED-B0D6-4A90-B7A1-6B9FF25157A3}" dt="2025-02-19T12:30:36.713" v="213" actId="14100"/>
-          <ac:spMkLst>
-            <pc:docMk/>
-            <pc:sldMk cId="917575798" sldId="258"/>
-            <ac:spMk id="2" creationId="{24DF481D-7C72-5AB8-EA66-31801378B7AD}"/>
-          </ac:spMkLst>
-        </pc:spChg>
-        <pc:spChg chg="del">
-          <ac:chgData name="Cameron Meekums-Spence" userId="11646302108362c9" providerId="LiveId" clId="{C24AD4ED-B0D6-4A90-B7A1-6B9FF25157A3}" dt="2025-02-18T09:35:10.269" v="0"/>
-          <ac:spMkLst>
-            <pc:docMk/>
-            <pc:sldMk cId="917575798" sldId="258"/>
-            <ac:spMk id="3" creationId="{D759A58F-0078-E407-93C8-503FEE959245}"/>
-          </ac:spMkLst>
-        </pc:spChg>
-        <pc:spChg chg="add mod">
-          <ac:chgData name="Cameron Meekums-Spence" userId="11646302108362c9" providerId="LiveId" clId="{C24AD4ED-B0D6-4A90-B7A1-6B9FF25157A3}" dt="2025-02-18T09:35:10.269" v="0"/>
-          <ac:spMkLst>
-            <pc:docMk/>
-            <pc:sldMk cId="917575798" sldId="258"/>
-            <ac:spMk id="5" creationId="{46EEF01D-60DA-0FAA-343F-3B48C8DFE5BD}"/>
-          </ac:spMkLst>
-        </pc:spChg>
-        <pc:spChg chg="add mod">
-          <ac:chgData name="Cameron Meekums-Spence" userId="11646302108362c9" providerId="LiveId" clId="{C24AD4ED-B0D6-4A90-B7A1-6B9FF25157A3}" dt="2025-02-19T12:38:34.741" v="435" actId="20577"/>
-          <ac:spMkLst>
-            <pc:docMk/>
-            <pc:sldMk cId="917575798" sldId="258"/>
-            <ac:spMk id="8" creationId="{ABEA7936-A25E-E8D0-60F7-EC28365EECCC}"/>
-          </ac:spMkLst>
-        </pc:spChg>
-        <pc:spChg chg="add mod">
-          <ac:chgData name="Cameron Meekums-Spence" userId="11646302108362c9" providerId="LiveId" clId="{C24AD4ED-B0D6-4A90-B7A1-6B9FF25157A3}" dt="2025-02-19T15:09:46.392" v="702" actId="20577"/>
-          <ac:spMkLst>
-            <pc:docMk/>
-            <pc:sldMk cId="917575798" sldId="258"/>
-            <ac:spMk id="9" creationId="{2537DB18-CF62-93EF-D11A-8168DA85D20C}"/>
-          </ac:spMkLst>
-        </pc:spChg>
-        <pc:graphicFrameChg chg="add mod modGraphic">
-          <ac:chgData name="Cameron Meekums-Spence" userId="11646302108362c9" providerId="LiveId" clId="{C24AD4ED-B0D6-4A90-B7A1-6B9FF25157A3}" dt="2025-02-19T15:28:56.297" v="1650" actId="20577"/>
-          <ac:graphicFrameMkLst>
-            <pc:docMk/>
-            <pc:sldMk cId="917575798" sldId="258"/>
-            <ac:graphicFrameMk id="4" creationId="{796090DD-39A6-1B67-5AEA-C98D70C0FF88}"/>
-          </ac:graphicFrameMkLst>
-        </pc:graphicFrameChg>
-        <pc:picChg chg="add mod">
-          <ac:chgData name="Cameron Meekums-Spence" userId="11646302108362c9" providerId="LiveId" clId="{C24AD4ED-B0D6-4A90-B7A1-6B9FF25157A3}" dt="2025-02-19T15:29:34.971" v="1652" actId="14100"/>
-          <ac:picMkLst>
-            <pc:docMk/>
-            <pc:sldMk cId="917575798" sldId="258"/>
-            <ac:picMk id="7" creationId="{44716942-0AA3-769B-7A23-97314FFC88C3}"/>
-          </ac:picMkLst>
-        </pc:picChg>
-      </pc:sldChg>
-      <pc:sldChg chg="addSp delSp modSp mod">
-        <pc:chgData name="Cameron Meekums-Spence" userId="11646302108362c9" providerId="LiveId" clId="{C24AD4ED-B0D6-4A90-B7A1-6B9FF25157A3}" dt="2025-02-19T15:22:57.709" v="1439" actId="20577"/>
-        <pc:sldMkLst>
-          <pc:docMk/>
-          <pc:sldMk cId="375290250" sldId="259"/>
-        </pc:sldMkLst>
-        <pc:spChg chg="mod">
-          <ac:chgData name="Cameron Meekums-Spence" userId="11646302108362c9" providerId="LiveId" clId="{C24AD4ED-B0D6-4A90-B7A1-6B9FF25157A3}" dt="2025-02-19T15:06:15.891" v="602" actId="14100"/>
-          <ac:spMkLst>
-            <pc:docMk/>
-            <pc:sldMk cId="375290250" sldId="259"/>
-            <ac:spMk id="2" creationId="{537BA412-AC7E-A413-BA61-9055267397D8}"/>
-          </ac:spMkLst>
-        </pc:spChg>
-        <pc:spChg chg="del">
-          <ac:chgData name="Cameron Meekums-Spence" userId="11646302108362c9" providerId="LiveId" clId="{C24AD4ED-B0D6-4A90-B7A1-6B9FF25157A3}" dt="2025-02-18T11:16:40.429" v="39" actId="22"/>
-          <ac:spMkLst>
-            <pc:docMk/>
-            <pc:sldMk cId="375290250" sldId="259"/>
-            <ac:spMk id="3" creationId="{372CE917-E633-C0A9-A05D-5717BA29C544}"/>
-          </ac:spMkLst>
-        </pc:spChg>
-        <pc:spChg chg="add mod">
-          <ac:chgData name="Cameron Meekums-Spence" userId="11646302108362c9" providerId="LiveId" clId="{C24AD4ED-B0D6-4A90-B7A1-6B9FF25157A3}" dt="2025-02-19T12:26:46.666" v="181" actId="767"/>
-          <ac:spMkLst>
-            <pc:docMk/>
-            <pc:sldMk cId="375290250" sldId="259"/>
-            <ac:spMk id="11" creationId="{658F439E-7225-B89B-FCB0-1A488E30C988}"/>
-          </ac:spMkLst>
-        </pc:spChg>
-        <pc:spChg chg="add mod">
-          <ac:chgData name="Cameron Meekums-Spence" userId="11646302108362c9" providerId="LiveId" clId="{C24AD4ED-B0D6-4A90-B7A1-6B9FF25157A3}" dt="2025-02-19T12:26:53.934" v="182" actId="767"/>
-          <ac:spMkLst>
-            <pc:docMk/>
-            <pc:sldMk cId="375290250" sldId="259"/>
-            <ac:spMk id="12" creationId="{F848A40D-8BD0-2BB1-5096-5070E1C8117E}"/>
-          </ac:spMkLst>
-        </pc:spChg>
-        <pc:spChg chg="add mod">
-          <ac:chgData name="Cameron Meekums-Spence" userId="11646302108362c9" providerId="LiveId" clId="{C24AD4ED-B0D6-4A90-B7A1-6B9FF25157A3}" dt="2025-02-19T12:27:20.386" v="184" actId="767"/>
-          <ac:spMkLst>
-            <pc:docMk/>
-            <pc:sldMk cId="375290250" sldId="259"/>
-            <ac:spMk id="13" creationId="{09005338-BDF6-5108-AECB-F02204AB3F6B}"/>
-          </ac:spMkLst>
-        </pc:spChg>
-        <pc:spChg chg="add mod">
-          <ac:chgData name="Cameron Meekums-Spence" userId="11646302108362c9" providerId="LiveId" clId="{C24AD4ED-B0D6-4A90-B7A1-6B9FF25157A3}" dt="2025-02-19T15:22:57.709" v="1439" actId="20577"/>
-          <ac:spMkLst>
-            <pc:docMk/>
-            <pc:sldMk cId="375290250" sldId="259"/>
-            <ac:spMk id="14" creationId="{B7777658-165D-9DA5-8348-CE3AAA03B163}"/>
-          </ac:spMkLst>
-        </pc:spChg>
-        <pc:picChg chg="add del mod">
-          <ac:chgData name="Cameron Meekums-Spence" userId="11646302108362c9" providerId="LiveId" clId="{C24AD4ED-B0D6-4A90-B7A1-6B9FF25157A3}" dt="2025-02-19T12:23:37.472" v="48" actId="478"/>
-          <ac:picMkLst>
-            <pc:docMk/>
-            <pc:sldMk cId="375290250" sldId="259"/>
-            <ac:picMk id="4" creationId="{4BDB88F4-B6F7-1B9A-A5D8-04FC7B4331F9}"/>
-          </ac:picMkLst>
-        </pc:picChg>
-        <pc:picChg chg="add mod">
-          <ac:chgData name="Cameron Meekums-Spence" userId="11646302108362c9" providerId="LiveId" clId="{C24AD4ED-B0D6-4A90-B7A1-6B9FF25157A3}" dt="2025-02-19T12:24:09.970" v="55" actId="1076"/>
-          <ac:picMkLst>
-            <pc:docMk/>
-            <pc:sldMk cId="375290250" sldId="259"/>
-            <ac:picMk id="6" creationId="{9097F794-8601-44CF-8290-6CF573FDF6B6}"/>
-          </ac:picMkLst>
-        </pc:picChg>
-        <pc:picChg chg="add del mod">
-          <ac:chgData name="Cameron Meekums-Spence" userId="11646302108362c9" providerId="LiveId" clId="{C24AD4ED-B0D6-4A90-B7A1-6B9FF25157A3}" dt="2025-02-19T12:36:16.074" v="315" actId="478"/>
-          <ac:picMkLst>
-            <pc:docMk/>
-            <pc:sldMk cId="375290250" sldId="259"/>
-            <ac:picMk id="8" creationId="{993E4885-AF02-8292-34BE-8798EE2E56E7}"/>
-          </ac:picMkLst>
-        </pc:picChg>
-        <pc:picChg chg="add mod ord">
-          <ac:chgData name="Cameron Meekums-Spence" userId="11646302108362c9" providerId="LiveId" clId="{C24AD4ED-B0D6-4A90-B7A1-6B9FF25157A3}" dt="2025-02-19T12:24:09.970" v="55" actId="1076"/>
-          <ac:picMkLst>
-            <pc:docMk/>
-            <pc:sldMk cId="375290250" sldId="259"/>
-            <ac:picMk id="10" creationId="{BA547B90-18B6-3926-606E-9635512A319A}"/>
-          </ac:picMkLst>
-        </pc:picChg>
-        <pc:picChg chg="add mod">
-          <ac:chgData name="Cameron Meekums-Spence" userId="11646302108362c9" providerId="LiveId" clId="{C24AD4ED-B0D6-4A90-B7A1-6B9FF25157A3}" dt="2025-02-19T12:37:11.168" v="325" actId="14100"/>
-          <ac:picMkLst>
-            <pc:docMk/>
-            <pc:sldMk cId="375290250" sldId="259"/>
-            <ac:picMk id="15" creationId="{C16401EF-F2E0-C8FE-5090-EA5BE24164F3}"/>
-          </ac:picMkLst>
-        </pc:picChg>
-      </pc:sldChg>
-      <pc:sldChg chg="modSp mod">
-        <pc:chgData name="Cameron Meekums-Spence" userId="11646302108362c9" providerId="LiveId" clId="{C24AD4ED-B0D6-4A90-B7A1-6B9FF25157A3}" dt="2025-02-19T15:53:28.156" v="1919" actId="20577"/>
-        <pc:sldMkLst>
-          <pc:docMk/>
-          <pc:sldMk cId="1613704985" sldId="262"/>
-        </pc:sldMkLst>
-        <pc:spChg chg="mod">
-          <ac:chgData name="Cameron Meekums-Spence" userId="11646302108362c9" providerId="LiveId" clId="{C24AD4ED-B0D6-4A90-B7A1-6B9FF25157A3}" dt="2025-02-19T15:53:28.156" v="1919" actId="20577"/>
-          <ac:spMkLst>
-            <pc:docMk/>
-            <pc:sldMk cId="1613704985" sldId="262"/>
-            <ac:spMk id="2" creationId="{CD66049B-8D78-CFB1-C31A-1C0F2195B61A}"/>
-          </ac:spMkLst>
-        </pc:spChg>
-        <pc:spChg chg="mod">
-          <ac:chgData name="Cameron Meekums-Spence" userId="11646302108362c9" providerId="LiveId" clId="{C24AD4ED-B0D6-4A90-B7A1-6B9FF25157A3}" dt="2025-02-19T15:52:55.331" v="1910" actId="20577"/>
-          <ac:spMkLst>
-            <pc:docMk/>
-            <pc:sldMk cId="1613704985" sldId="262"/>
-            <ac:spMk id="3" creationId="{80244DCF-14A5-DCC3-6A47-1F771410F60E}"/>
-          </ac:spMkLst>
-        </pc:spChg>
-      </pc:sldChg>
-      <pc:sldChg chg="new del">
-        <pc:chgData name="Cameron Meekums-Spence" userId="11646302108362c9" providerId="LiveId" clId="{C24AD4ED-B0D6-4A90-B7A1-6B9FF25157A3}" dt="2025-02-18T11:19:55.946" v="47" actId="2696"/>
-        <pc:sldMkLst>
-          <pc:docMk/>
-          <pc:sldMk cId="2127955885" sldId="264"/>
-        </pc:sldMkLst>
-      </pc:sldChg>
-      <pc:sldChg chg="modSp mod ord">
-        <pc:chgData name="Cameron Meekums-Spence" userId="11646302108362c9" providerId="LiveId" clId="{C24AD4ED-B0D6-4A90-B7A1-6B9FF25157A3}" dt="2025-02-19T15:27:30.844" v="1646" actId="20577"/>
-        <pc:sldMkLst>
-          <pc:docMk/>
-          <pc:sldMk cId="4001287452" sldId="269"/>
-        </pc:sldMkLst>
-        <pc:spChg chg="mod">
-          <ac:chgData name="Cameron Meekums-Spence" userId="11646302108362c9" providerId="LiveId" clId="{C24AD4ED-B0D6-4A90-B7A1-6B9FF25157A3}" dt="2025-02-19T15:27:30.844" v="1646" actId="20577"/>
-          <ac:spMkLst>
-            <pc:docMk/>
-            <pc:sldMk cId="4001287452" sldId="269"/>
-            <ac:spMk id="2" creationId="{B15033A7-CD12-2DC8-2D9B-F05C2241B43F}"/>
-          </ac:spMkLst>
-        </pc:spChg>
-        <pc:spChg chg="mod">
-          <ac:chgData name="Cameron Meekums-Spence" userId="11646302108362c9" providerId="LiveId" clId="{C24AD4ED-B0D6-4A90-B7A1-6B9FF25157A3}" dt="2025-02-19T15:26:36.893" v="1629" actId="255"/>
-          <ac:spMkLst>
-            <pc:docMk/>
-            <pc:sldMk cId="4001287452" sldId="269"/>
-            <ac:spMk id="3" creationId="{ABC13690-2A29-2228-4864-A42FBF6C1395}"/>
-          </ac:spMkLst>
-        </pc:spChg>
-      </pc:sldChg>
-      <pc:sldChg chg="modSp mod">
-        <pc:chgData name="Cameron Meekums-Spence" userId="11646302108362c9" providerId="LiveId" clId="{C24AD4ED-B0D6-4A90-B7A1-6B9FF25157A3}" dt="2025-02-19T15:42:25.201" v="1653" actId="20577"/>
-        <pc:sldMkLst>
-          <pc:docMk/>
-          <pc:sldMk cId="2308948833" sldId="270"/>
-        </pc:sldMkLst>
-        <pc:spChg chg="mod">
-          <ac:chgData name="Cameron Meekums-Spence" userId="11646302108362c9" providerId="LiveId" clId="{C24AD4ED-B0D6-4A90-B7A1-6B9FF25157A3}" dt="2025-02-19T15:42:25.201" v="1653" actId="20577"/>
-          <ac:spMkLst>
-            <pc:docMk/>
-            <pc:sldMk cId="2308948833" sldId="270"/>
-            <ac:spMk id="9" creationId="{3DBD94C0-791C-DFF8-57F5-FE414EE89896}"/>
-          </ac:spMkLst>
-        </pc:spChg>
-      </pc:sldChg>
-      <pc:sldChg chg="del">
-        <pc:chgData name="Cameron Meekums-Spence" userId="11646302108362c9" providerId="LiveId" clId="{C24AD4ED-B0D6-4A90-B7A1-6B9FF25157A3}" dt="2025-02-19T15:45:41.457" v="1654" actId="2696"/>
-        <pc:sldMkLst>
-          <pc:docMk/>
-          <pc:sldMk cId="4239260069" sldId="271"/>
-        </pc:sldMkLst>
-      </pc:sldChg>
-      <pc:sldChg chg="del">
-        <pc:chgData name="Cameron Meekums-Spence" userId="11646302108362c9" providerId="LiveId" clId="{C24AD4ED-B0D6-4A90-B7A1-6B9FF25157A3}" dt="2025-02-19T15:26:56.694" v="1630" actId="2696"/>
-        <pc:sldMkLst>
-          <pc:docMk/>
-          <pc:sldMk cId="1726419693" sldId="274"/>
-        </pc:sldMkLst>
-      </pc:sldChg>
-    </pc:docChg>
-  </pc:docChgLst>
-  <pc:docChgLst>
-    <pc:chgData name="Guest User" providerId="Windows Live" clId="Web-{4E40C61D-6C02-9ABE-1EAD-21998235DE41}"/>
-    <pc:docChg chg="addSld modSld">
-      <pc:chgData name="Guest User" userId="" providerId="Windows Live" clId="Web-{4E40C61D-6C02-9ABE-1EAD-21998235DE41}" dt="2025-02-18T20:05:16.240" v="1336" actId="20577"/>
-      <pc:docMkLst>
-        <pc:docMk/>
-      </pc:docMkLst>
-      <pc:sldChg chg="modSp">
-        <pc:chgData name="Guest User" userId="" providerId="Windows Live" clId="Web-{4E40C61D-6C02-9ABE-1EAD-21998235DE41}" dt="2025-02-18T15:47:54.375" v="1" actId="20577"/>
-        <pc:sldMkLst>
-          <pc:docMk/>
-          <pc:sldMk cId="3020583742" sldId="256"/>
-        </pc:sldMkLst>
-        <pc:spChg chg="mod">
-          <ac:chgData name="Guest User" userId="" providerId="Windows Live" clId="Web-{4E40C61D-6C02-9ABE-1EAD-21998235DE41}" dt="2025-02-18T15:47:54.375" v="1" actId="20577"/>
-          <ac:spMkLst>
-            <pc:docMk/>
-            <pc:sldMk cId="3020583742" sldId="256"/>
-            <ac:spMk id="3" creationId="{91ABF39E-98C9-6A40-E3D8-B7B3663E6938}"/>
-          </ac:spMkLst>
-        </pc:spChg>
-      </pc:sldChg>
-      <pc:sldChg chg="addSp delSp modSp">
-        <pc:chgData name="Guest User" userId="" providerId="Windows Live" clId="Web-{4E40C61D-6C02-9ABE-1EAD-21998235DE41}" dt="2025-02-18T18:01:26.357" v="1201" actId="20577"/>
-        <pc:sldMkLst>
-          <pc:docMk/>
-          <pc:sldMk cId="395494422" sldId="260"/>
-        </pc:sldMkLst>
-        <pc:spChg chg="mod">
-          <ac:chgData name="Guest User" userId="" providerId="Windows Live" clId="Web-{4E40C61D-6C02-9ABE-1EAD-21998235DE41}" dt="2025-02-18T18:01:26.357" v="1201" actId="20577"/>
-          <ac:spMkLst>
-            <pc:docMk/>
-            <pc:sldMk cId="395494422" sldId="260"/>
-            <ac:spMk id="3" creationId="{C0DF7581-D663-9D6B-2AD0-01FC663ED2E0}"/>
-          </ac:spMkLst>
-        </pc:spChg>
-        <pc:graphicFrameChg chg="add del mod modGraphic">
-          <ac:chgData name="Guest User" userId="" providerId="Windows Live" clId="Web-{4E40C61D-6C02-9ABE-1EAD-21998235DE41}" dt="2025-02-18T17:45:00.865" v="588"/>
-          <ac:graphicFrameMkLst>
-            <pc:docMk/>
-            <pc:sldMk cId="395494422" sldId="260"/>
-            <ac:graphicFrameMk id="5" creationId="{45E22999-34BC-CD19-4FFE-BE27DA47F565}"/>
-          </ac:graphicFrameMkLst>
-        </pc:graphicFrameChg>
-        <pc:graphicFrameChg chg="add mod modGraphic">
-          <ac:chgData name="Guest User" userId="" providerId="Windows Live" clId="Web-{4E40C61D-6C02-9ABE-1EAD-21998235DE41}" dt="2025-02-18T17:52:10.532" v="1022" actId="1076"/>
-          <ac:graphicFrameMkLst>
-            <pc:docMk/>
-            <pc:sldMk cId="395494422" sldId="260"/>
-            <ac:graphicFrameMk id="6" creationId="{B173CA74-3918-65DF-F863-4113C40759E8}"/>
-          </ac:graphicFrameMkLst>
-        </pc:graphicFrameChg>
-        <pc:picChg chg="add del mod">
-          <ac:chgData name="Guest User" userId="" providerId="Windows Live" clId="Web-{4E40C61D-6C02-9ABE-1EAD-21998235DE41}" dt="2025-02-18T18:01:16.185" v="1199"/>
-          <ac:picMkLst>
-            <pc:docMk/>
-            <pc:sldMk cId="395494422" sldId="260"/>
-            <ac:picMk id="7" creationId="{EF3CB26A-4389-4225-06B4-E69848433AF8}"/>
-          </ac:picMkLst>
-        </pc:picChg>
-      </pc:sldChg>
-      <pc:sldChg chg="addSp delSp modSp new">
-        <pc:chgData name="Guest User" userId="" providerId="Windows Live" clId="Web-{4E40C61D-6C02-9ABE-1EAD-21998235DE41}" dt="2025-02-18T20:05:16.240" v="1336" actId="20577"/>
-        <pc:sldMkLst>
-          <pc:docMk/>
-          <pc:sldMk cId="1853430785" sldId="268"/>
-        </pc:sldMkLst>
-        <pc:spChg chg="mod">
-          <ac:chgData name="Guest User" userId="" providerId="Windows Live" clId="Web-{4E40C61D-6C02-9ABE-1EAD-21998235DE41}" dt="2025-02-18T18:01:38.170" v="1206" actId="20577"/>
-          <ac:spMkLst>
-            <pc:docMk/>
-            <pc:sldMk cId="1853430785" sldId="268"/>
-            <ac:spMk id="2" creationId="{A5814E4F-ADA4-D600-F07D-ABA14C779E7C}"/>
-          </ac:spMkLst>
-        </pc:spChg>
-        <pc:spChg chg="add del mod">
-          <ac:chgData name="Guest User" userId="" providerId="Windows Live" clId="Web-{4E40C61D-6C02-9ABE-1EAD-21998235DE41}" dt="2025-02-18T20:05:16.240" v="1336" actId="20577"/>
-          <ac:spMkLst>
-            <pc:docMk/>
-            <pc:sldMk cId="1853430785" sldId="268"/>
-            <ac:spMk id="3" creationId="{466655F6-D511-BAF0-0A35-9BEF31592039}"/>
-          </ac:spMkLst>
-        </pc:spChg>
-        <pc:picChg chg="add del mod ord">
-          <ac:chgData name="Guest User" userId="" providerId="Windows Live" clId="Web-{4E40C61D-6C02-9ABE-1EAD-21998235DE41}" dt="2025-02-18T18:57:17.623" v="1208"/>
-          <ac:picMkLst>
-            <pc:docMk/>
-            <pc:sldMk cId="1853430785" sldId="268"/>
-            <ac:picMk id="4" creationId="{CF5E9415-8F93-3DB5-B847-732448EBA671}"/>
-          </ac:picMkLst>
-        </pc:picChg>
-        <pc:picChg chg="add del mod ord">
-          <ac:chgData name="Guest User" userId="" providerId="Windows Live" clId="Web-{4E40C61D-6C02-9ABE-1EAD-21998235DE41}" dt="2025-02-18T18:57:20.764" v="1210"/>
-          <ac:picMkLst>
-            <pc:docMk/>
-            <pc:sldMk cId="1853430785" sldId="268"/>
-            <ac:picMk id="5" creationId="{FB47DAE3-76BB-1BFE-EBC6-CFA5F1C3B689}"/>
-          </ac:picMkLst>
-        </pc:picChg>
-        <pc:picChg chg="add mod">
-          <ac:chgData name="Guest User" userId="" providerId="Windows Live" clId="Web-{4E40C61D-6C02-9ABE-1EAD-21998235DE41}" dt="2025-02-18T18:57:26.405" v="1214" actId="14100"/>
-          <ac:picMkLst>
-            <pc:docMk/>
-            <pc:sldMk cId="1853430785" sldId="268"/>
-            <ac:picMk id="6" creationId="{02B2015D-E124-E976-4B95-99382F11800B}"/>
-          </ac:picMkLst>
-        </pc:picChg>
-      </pc:sldChg>
-    </pc:docChg>
-  </pc:docChgLst>
-  <pc:docChgLst>
-    <pc:chgData name="来宾用户" providerId="Windows Live" clId="Web-{D45341F5-2891-05CF-DF62-9C78886B13E3}"/>
-    <pc:docChg chg="modSld">
-      <pc:chgData name="来宾用户" userId="" providerId="Windows Live" clId="Web-{D45341F5-2891-05CF-DF62-9C78886B13E3}" dt="2025-02-19T14:47:02.454" v="23"/>
-      <pc:docMkLst>
-        <pc:docMk/>
-      </pc:docMkLst>
-      <pc:sldChg chg="modNotes">
-        <pc:chgData name="来宾用户" userId="" providerId="Windows Live" clId="Web-{D45341F5-2891-05CF-DF62-9C78886B13E3}" dt="2025-02-19T14:45:17.217" v="4"/>
-        <pc:sldMkLst>
-          <pc:docMk/>
-          <pc:sldMk cId="466566654" sldId="261"/>
-        </pc:sldMkLst>
-      </pc:sldChg>
-      <pc:sldChg chg="modNotes">
-        <pc:chgData name="来宾用户" userId="" providerId="Windows Live" clId="Web-{D45341F5-2891-05CF-DF62-9C78886B13E3}" dt="2025-02-19T14:45:57.218" v="13"/>
-        <pc:sldMkLst>
-          <pc:docMk/>
-          <pc:sldMk cId="3513918286" sldId="264"/>
-        </pc:sldMkLst>
-      </pc:sldChg>
-      <pc:sldChg chg="modNotes">
-        <pc:chgData name="来宾用户" userId="" providerId="Windows Live" clId="Web-{D45341F5-2891-05CF-DF62-9C78886B13E3}" dt="2025-02-19T14:46:32.203" v="17"/>
-        <pc:sldMkLst>
-          <pc:docMk/>
-          <pc:sldMk cId="4078909385" sldId="266"/>
-        </pc:sldMkLst>
-      </pc:sldChg>
-      <pc:sldChg chg="modNotes">
-        <pc:chgData name="来宾用户" userId="" providerId="Windows Live" clId="Web-{D45341F5-2891-05CF-DF62-9C78886B13E3}" dt="2025-02-19T14:46:47.594" v="21"/>
-        <pc:sldMkLst>
-          <pc:docMk/>
-          <pc:sldMk cId="1768545565" sldId="267"/>
-        </pc:sldMkLst>
-      </pc:sldChg>
-      <pc:sldChg chg="modNotes">
-        <pc:chgData name="来宾用户" userId="" providerId="Windows Live" clId="Web-{D45341F5-2891-05CF-DF62-9C78886B13E3}" dt="2025-02-19T14:47:02.454" v="23"/>
-        <pc:sldMkLst>
-          <pc:docMk/>
-          <pc:sldMk cId="2308948833" sldId="270"/>
-        </pc:sldMkLst>
-      </pc:sldChg>
-      <pc:sldChg chg="modNotes">
-        <pc:chgData name="来宾用户" userId="" providerId="Windows Live" clId="Web-{D45341F5-2891-05CF-DF62-9C78886B13E3}" dt="2025-02-19T14:46:14.890" v="15"/>
-        <pc:sldMkLst>
-          <pc:docMk/>
-          <pc:sldMk cId="1922285952" sldId="273"/>
-        </pc:sldMkLst>
-      </pc:sldChg>
-    </pc:docChg>
-  </pc:docChgLst>
-  <pc:docChgLst>
-    <pc:chgData name="Guest User" providerId="Windows Live" clId="Web-{74497CE2-3B41-97F6-509B-691669380FA7}"/>
-    <pc:docChg chg="addSld modSld sldOrd">
-      <pc:chgData name="Guest User" userId="" providerId="Windows Live" clId="Web-{74497CE2-3B41-97F6-509B-691669380FA7}" dt="2025-02-19T18:47:40.675" v="480" actId="20577"/>
-      <pc:docMkLst>
-        <pc:docMk/>
-      </pc:docMkLst>
-      <pc:sldChg chg="modSp">
-        <pc:chgData name="Guest User" userId="" providerId="Windows Live" clId="Web-{74497CE2-3B41-97F6-509B-691669380FA7}" dt="2025-02-19T18:06:51.966" v="471" actId="20577"/>
-        <pc:sldMkLst>
-          <pc:docMk/>
-          <pc:sldMk cId="1613704985" sldId="262"/>
-        </pc:sldMkLst>
-        <pc:spChg chg="mod">
-          <ac:chgData name="Guest User" userId="" providerId="Windows Live" clId="Web-{74497CE2-3B41-97F6-509B-691669380FA7}" dt="2025-02-19T18:06:51.966" v="471" actId="20577"/>
-          <ac:spMkLst>
-            <pc:docMk/>
-            <pc:sldMk cId="1613704985" sldId="262"/>
-            <ac:spMk id="3" creationId="{80244DCF-14A5-DCC3-6A47-1F771410F60E}"/>
-          </ac:spMkLst>
-        </pc:spChg>
-      </pc:sldChg>
-      <pc:sldChg chg="modSp">
-        <pc:chgData name="Guest User" userId="" providerId="Windows Live" clId="Web-{74497CE2-3B41-97F6-509B-691669380FA7}" dt="2025-02-19T15:58:11.360" v="201" actId="14100"/>
-        <pc:sldMkLst>
-          <pc:docMk/>
-          <pc:sldMk cId="4001287452" sldId="269"/>
-        </pc:sldMkLst>
-        <pc:spChg chg="mod">
-          <ac:chgData name="Guest User" userId="" providerId="Windows Live" clId="Web-{74497CE2-3B41-97F6-509B-691669380FA7}" dt="2025-02-19T15:58:11.360" v="201" actId="14100"/>
-          <ac:spMkLst>
-            <pc:docMk/>
-            <pc:sldMk cId="4001287452" sldId="269"/>
-            <ac:spMk id="3" creationId="{ABC13690-2A29-2228-4864-A42FBF6C1395}"/>
-          </ac:spMkLst>
-        </pc:spChg>
-      </pc:sldChg>
-      <pc:sldChg chg="modSp">
-        <pc:chgData name="Guest User" userId="" providerId="Windows Live" clId="Web-{74497CE2-3B41-97F6-509B-691669380FA7}" dt="2025-02-19T18:47:40.675" v="480" actId="20577"/>
-        <pc:sldMkLst>
-          <pc:docMk/>
-          <pc:sldMk cId="1060906301" sldId="272"/>
-        </pc:sldMkLst>
-        <pc:spChg chg="mod">
-          <ac:chgData name="Guest User" userId="" providerId="Windows Live" clId="Web-{74497CE2-3B41-97F6-509B-691669380FA7}" dt="2025-02-19T18:47:40.675" v="480" actId="20577"/>
-          <ac:spMkLst>
-            <pc:docMk/>
-            <pc:sldMk cId="1060906301" sldId="272"/>
-            <ac:spMk id="3" creationId="{D182C90B-A9BE-743E-B185-AE3127317A67}"/>
-          </ac:spMkLst>
-        </pc:spChg>
-      </pc:sldChg>
-      <pc:sldChg chg="modSp new ord">
-        <pc:chgData name="Guest User" userId="" providerId="Windows Live" clId="Web-{74497CE2-3B41-97F6-509B-691669380FA7}" dt="2025-02-19T15:21:27.090" v="24" actId="20577"/>
-        <pc:sldMkLst>
-          <pc:docMk/>
-          <pc:sldMk cId="1726419693" sldId="274"/>
-        </pc:sldMkLst>
-        <pc:spChg chg="mod">
-          <ac:chgData name="Guest User" userId="" providerId="Windows Live" clId="Web-{74497CE2-3B41-97F6-509B-691669380FA7}" dt="2025-02-19T15:20:49.167" v="7" actId="20577"/>
-          <ac:spMkLst>
-            <pc:docMk/>
-            <pc:sldMk cId="1726419693" sldId="274"/>
-            <ac:spMk id="2" creationId="{17DC5FDE-18B3-EFAE-311B-452F2B54944C}"/>
-          </ac:spMkLst>
-        </pc:spChg>
-        <pc:spChg chg="mod">
-          <ac:chgData name="Guest User" userId="" providerId="Windows Live" clId="Web-{74497CE2-3B41-97F6-509B-691669380FA7}" dt="2025-02-19T15:21:27.090" v="24" actId="20577"/>
-          <ac:spMkLst>
-            <pc:docMk/>
-            <pc:sldMk cId="1726419693" sldId="274"/>
-            <ac:spMk id="3" creationId="{3EEAB3EC-04B3-2F7B-7BC6-42958BD1E120}"/>
-          </ac:spMkLst>
-        </pc:spChg>
-      </pc:sldChg>
-    </pc:docChg>
-  </pc:docChgLst>
-  <pc:docChgLst>
-    <pc:chgData name="来宾用户" providerId="Windows Live" clId="Web-{3A90B9F6-255F-09B5-3B23-358F8A0AC779}"/>
-    <pc:docChg chg="modSld">
-      <pc:chgData name="来宾用户" userId="" providerId="Windows Live" clId="Web-{3A90B9F6-255F-09B5-3B23-358F8A0AC779}" dt="2025-02-19T18:45:54.170" v="116" actId="1076"/>
-      <pc:docMkLst>
-        <pc:docMk/>
-      </pc:docMkLst>
-      <pc:sldChg chg="modSp">
-        <pc:chgData name="来宾用户" userId="" providerId="Windows Live" clId="Web-{3A90B9F6-255F-09B5-3B23-358F8A0AC779}" dt="2025-02-19T18:45:54.170" v="116" actId="1076"/>
-        <pc:sldMkLst>
-          <pc:docMk/>
-          <pc:sldMk cId="3513918286" sldId="264"/>
-        </pc:sldMkLst>
-        <pc:spChg chg="mod">
-          <ac:chgData name="来宾用户" userId="" providerId="Windows Live" clId="Web-{3A90B9F6-255F-09B5-3B23-358F8A0AC779}" dt="2025-02-19T18:45:54.170" v="116" actId="1076"/>
-          <ac:spMkLst>
-            <pc:docMk/>
-            <pc:sldMk cId="3513918286" sldId="264"/>
-            <ac:spMk id="17" creationId="{8E72D43D-D4E8-A63D-FE2C-9156BFF744DC}"/>
-          </ac:spMkLst>
-        </pc:spChg>
-        <pc:spChg chg="mod">
-          <ac:chgData name="来宾用户" userId="" providerId="Windows Live" clId="Web-{3A90B9F6-255F-09B5-3B23-358F8A0AC779}" dt="2025-02-19T18:45:49.983" v="115" actId="20577"/>
-          <ac:spMkLst>
-            <pc:docMk/>
-            <pc:sldMk cId="3513918286" sldId="264"/>
-            <ac:spMk id="21" creationId="{5D31BEB3-01BE-A617-AF11-D2421CA6A3CB}"/>
-          </ac:spMkLst>
-        </pc:spChg>
-      </pc:sldChg>
-      <pc:sldChg chg="addSp delSp modSp">
-        <pc:chgData name="来宾用户" userId="" providerId="Windows Live" clId="Web-{3A90B9F6-255F-09B5-3B23-358F8A0AC779}" dt="2025-02-19T18:00:02.783" v="24" actId="1076"/>
-        <pc:sldMkLst>
-          <pc:docMk/>
-          <pc:sldMk cId="2308948833" sldId="270"/>
-        </pc:sldMkLst>
-        <pc:spChg chg="add mod">
-          <ac:chgData name="来宾用户" userId="" providerId="Windows Live" clId="Web-{3A90B9F6-255F-09B5-3B23-358F8A0AC779}" dt="2025-02-19T18:00:02.783" v="24" actId="1076"/>
-          <ac:spMkLst>
-            <pc:docMk/>
-            <pc:sldMk cId="2308948833" sldId="270"/>
-            <ac:spMk id="2" creationId="{BEB53768-F858-D8AC-6718-D3681F271733}"/>
-          </ac:spMkLst>
-        </pc:spChg>
-        <pc:spChg chg="add del">
-          <ac:chgData name="来宾用户" userId="" providerId="Windows Live" clId="Web-{3A90B9F6-255F-09B5-3B23-358F8A0AC779}" dt="2025-02-19T17:58:35.906" v="12"/>
-          <ac:spMkLst>
-            <pc:docMk/>
-            <pc:sldMk cId="2308948833" sldId="270"/>
-            <ac:spMk id="3" creationId="{FEC34780-5A4F-D8DC-1493-869CB9640231}"/>
-          </ac:spMkLst>
-        </pc:spChg>
-        <pc:picChg chg="mod modCrop">
-          <ac:chgData name="来宾用户" userId="" providerId="Windows Live" clId="Web-{3A90B9F6-255F-09B5-3B23-358F8A0AC779}" dt="2025-02-19T17:59:22.985" v="21"/>
-          <ac:picMkLst>
-            <pc:docMk/>
-            <pc:sldMk cId="2308948833" sldId="270"/>
-            <ac:picMk id="4" creationId="{B4579C50-F8A8-5953-DF8D-6765B335DCB7}"/>
-          </ac:picMkLst>
-        </pc:picChg>
-      </pc:sldChg>
-      <pc:sldChg chg="modSp">
-        <pc:chgData name="来宾用户" userId="" providerId="Windows Live" clId="Web-{3A90B9F6-255F-09B5-3B23-358F8A0AC779}" dt="2025-02-19T18:17:19.639" v="82" actId="20577"/>
-        <pc:sldMkLst>
-          <pc:docMk/>
-          <pc:sldMk cId="1922285952" sldId="273"/>
-        </pc:sldMkLst>
-        <pc:spChg chg="mod">
-          <ac:chgData name="来宾用户" userId="" providerId="Windows Live" clId="Web-{3A90B9F6-255F-09B5-3B23-358F8A0AC779}" dt="2025-02-19T18:17:19.639" v="82" actId="20577"/>
-          <ac:spMkLst>
-            <pc:docMk/>
-            <pc:sldMk cId="1922285952" sldId="273"/>
-            <ac:spMk id="5" creationId="{9EE0A72C-0267-66DE-7018-2E9DCB622ADF}"/>
-          </ac:spMkLst>
-        </pc:spChg>
-      </pc:sldChg>
-    </pc:docChg>
-  </pc:docChgLst>
-  <pc:docChgLst>
-    <pc:chgData name="Guest User" providerId="Windows Live" clId="Web-{58EA9656-F96B-A6B2-C7AC-FBBA911C4E63}"/>
-    <pc:docChg chg="addSld modSld sldOrd">
-      <pc:chgData name="Guest User" userId="" providerId="Windows Live" clId="Web-{58EA9656-F96B-A6B2-C7AC-FBBA911C4E63}" dt="2025-02-18T23:08:07.894" v="165" actId="14100"/>
-      <pc:docMkLst>
-        <pc:docMk/>
-      </pc:docMkLst>
-      <pc:sldChg chg="modSp">
-        <pc:chgData name="Guest User" userId="" providerId="Windows Live" clId="Web-{58EA9656-F96B-A6B2-C7AC-FBBA911C4E63}" dt="2025-02-18T18:39:02.623" v="84" actId="14100"/>
-        <pc:sldMkLst>
-          <pc:docMk/>
-          <pc:sldMk cId="3020583742" sldId="256"/>
-        </pc:sldMkLst>
-        <pc:spChg chg="mod">
-          <ac:chgData name="Guest User" userId="" providerId="Windows Live" clId="Web-{58EA9656-F96B-A6B2-C7AC-FBBA911C4E63}" dt="2025-02-18T18:38:54.030" v="83" actId="20577"/>
-          <ac:spMkLst>
-            <pc:docMk/>
-            <pc:sldMk cId="3020583742" sldId="256"/>
-            <ac:spMk id="2" creationId="{27DB76AB-70D3-923C-27FB-9188B0297893}"/>
-          </ac:spMkLst>
-        </pc:spChg>
-        <pc:spChg chg="mod">
-          <ac:chgData name="Guest User" userId="" providerId="Windows Live" clId="Web-{58EA9656-F96B-A6B2-C7AC-FBBA911C4E63}" dt="2025-02-18T18:39:02.623" v="84" actId="14100"/>
-          <ac:spMkLst>
-            <pc:docMk/>
-            <pc:sldMk cId="3020583742" sldId="256"/>
-            <ac:spMk id="3" creationId="{91ABF39E-98C9-6A40-E3D8-B7B3663E6938}"/>
-          </ac:spMkLst>
-        </pc:spChg>
-      </pc:sldChg>
-      <pc:sldChg chg="modSp">
-        <pc:chgData name="Guest User" userId="" providerId="Windows Live" clId="Web-{58EA9656-F96B-A6B2-C7AC-FBBA911C4E63}" dt="2025-02-18T23:08:07.894" v="165" actId="14100"/>
-        <pc:sldMkLst>
-          <pc:docMk/>
-          <pc:sldMk cId="1613704985" sldId="262"/>
-        </pc:sldMkLst>
-        <pc:spChg chg="mod">
-          <ac:chgData name="Guest User" userId="" providerId="Windows Live" clId="Web-{58EA9656-F96B-A6B2-C7AC-FBBA911C4E63}" dt="2025-02-18T23:08:07.894" v="165" actId="14100"/>
-          <ac:spMkLst>
-            <pc:docMk/>
-            <pc:sldMk cId="1613704985" sldId="262"/>
-            <ac:spMk id="3" creationId="{80244DCF-14A5-DCC3-6A47-1F771410F60E}"/>
-          </ac:spMkLst>
-        </pc:spChg>
-      </pc:sldChg>
-      <pc:sldChg chg="modSp new ord">
-        <pc:chgData name="Guest User" userId="" providerId="Windows Live" clId="Web-{58EA9656-F96B-A6B2-C7AC-FBBA911C4E63}" dt="2025-02-18T23:06:39.517" v="142" actId="20577"/>
-        <pc:sldMkLst>
-          <pc:docMk/>
-          <pc:sldMk cId="4001287452" sldId="269"/>
-        </pc:sldMkLst>
-        <pc:spChg chg="mod">
-          <ac:chgData name="Guest User" userId="" providerId="Windows Live" clId="Web-{58EA9656-F96B-A6B2-C7AC-FBBA911C4E63}" dt="2025-02-18T18:24:15.027" v="3" actId="14100"/>
-          <ac:spMkLst>
-            <pc:docMk/>
-            <pc:sldMk cId="4001287452" sldId="269"/>
-            <ac:spMk id="2" creationId="{B15033A7-CD12-2DC8-2D9B-F05C2241B43F}"/>
-          </ac:spMkLst>
-        </pc:spChg>
-        <pc:spChg chg="mod">
-          <ac:chgData name="Guest User" userId="" providerId="Windows Live" clId="Web-{58EA9656-F96B-A6B2-C7AC-FBBA911C4E63}" dt="2025-02-18T23:06:39.517" v="142" actId="20577"/>
-          <ac:spMkLst>
-            <pc:docMk/>
-            <pc:sldMk cId="4001287452" sldId="269"/>
-            <ac:spMk id="3" creationId="{ABC13690-2A29-2228-4864-A42FBF6C1395}"/>
-          </ac:spMkLst>
-        </pc:spChg>
-      </pc:sldChg>
-      <pc:sldChg chg="modSp new">
-        <pc:chgData name="Guest User" userId="" providerId="Windows Live" clId="Web-{58EA9656-F96B-A6B2-C7AC-FBBA911C4E63}" dt="2025-02-18T18:31:56.865" v="49" actId="1076"/>
-        <pc:sldMkLst>
-          <pc:docMk/>
-          <pc:sldMk cId="1060906301" sldId="272"/>
-        </pc:sldMkLst>
-        <pc:spChg chg="mod">
-          <ac:chgData name="Guest User" userId="" providerId="Windows Live" clId="Web-{58EA9656-F96B-A6B2-C7AC-FBBA911C4E63}" dt="2025-02-18T18:29:58.925" v="32" actId="14100"/>
-          <ac:spMkLst>
-            <pc:docMk/>
-            <pc:sldMk cId="1060906301" sldId="272"/>
-            <ac:spMk id="2" creationId="{342C8B66-317A-167C-4CD0-AC51CDBC7521}"/>
-          </ac:spMkLst>
-        </pc:spChg>
-        <pc:spChg chg="mod">
-          <ac:chgData name="Guest User" userId="" providerId="Windows Live" clId="Web-{58EA9656-F96B-A6B2-C7AC-FBBA911C4E63}" dt="2025-02-18T18:31:56.865" v="49" actId="1076"/>
-          <ac:spMkLst>
-            <pc:docMk/>
-            <pc:sldMk cId="1060906301" sldId="272"/>
-            <ac:spMk id="3" creationId="{D182C90B-A9BE-743E-B185-AE3127317A67}"/>
-          </ac:spMkLst>
-        </pc:spChg>
-      </pc:sldChg>
-    </pc:docChg>
-  </pc:docChgLst>
-</pc:chgInfo>
-</file>
-
 <file path=ppt/notesMasters/notesMaster1.xml><?xml version="1.0" encoding="utf-8"?>
 <p:notesMaster xmlns:a="http://schemas.openxmlformats.org/drawingml/2006/main" xmlns:r="http://schemas.openxmlformats.org/officeDocument/2006/relationships" xmlns:p="http://schemas.openxmlformats.org/presentationml/2006/main">
   <p:cSld>
@@ -2533,7 +226,7 @@
           </a:lstStyle>
           <a:p>
             <a:fld id="{FB5A4AFD-1194-42B3-A991-E1A843DD85E0}" type="datetimeFigureOut">
-              <a:t>2/19/2025</a:t>
+              <a:t>2025/2/20</a:t>
             </a:fld>
             <a:endParaRPr lang="zh-CN" altLang="en-US"/>
           </a:p>
@@ -3061,98 +754,28 @@
           <a:lstStyle/>
           <a:p>
             <a:r>
-              <a:rPr lang="en-US"/>
-              <a:t>we visualize the distribution of multiple variables using scatter plots.</a:t>
-            </a:r>
-            <a:endParaRPr lang="zh-CN" altLang="en-US"/>
-          </a:p>
-          <a:p>
-            <a:r>
-              <a:rPr lang="en-US"/>
-              <a:t>The data exhibits positively skewed distributions</a:t>
-            </a:r>
-            <a:endParaRPr lang="en-US">
-              <a:ea typeface="等线"/>
-            </a:endParaRPr>
-          </a:p>
-          <a:p>
-            <a:r>
-              <a:rPr lang="en-US">
-                <a:latin typeface="Calibri"/>
-                <a:ea typeface="Calibri"/>
+              <a:rPr lang="en-US" dirty="0">
+                <a:latin typeface="等线"/>
+                <a:ea typeface="等线"/>
                 <a:cs typeface="Calibri"/>
               </a:rPr>
-              <a:t>The </a:t>
+              <a:t>First, we visualized multiple variables using scatter plot matrices. with kernel density estimates on the diagonal, most variables show positively skewed, unimodal distributions, though temperature has a slight extra ripple that might suggest a secondary peak. </a:t>
             </a:r>
-            <a:r>
-              <a:rPr lang="en-US" err="1">
-                <a:latin typeface="Calibri"/>
-                <a:ea typeface="Calibri"/>
+            <a:br>
+              <a:rPr lang="en-US" dirty="0">
+                <a:latin typeface="等线"/>
+                <a:ea typeface="等线"/>
                 <a:cs typeface="Calibri"/>
               </a:rPr>
-              <a:t>kernal</a:t>
-            </a:r>
+            </a:br>
             <a:r>
-              <a:rPr lang="en-US">
-                <a:latin typeface="Calibri"/>
-                <a:ea typeface="Calibri"/>
+              <a:rPr lang="en-US" dirty="0">
+                <a:latin typeface="等线"/>
+                <a:ea typeface="等线"/>
                 <a:cs typeface="Calibri"/>
               </a:rPr>
-              <a:t> density plots on the grid's diagonal look fair </a:t>
+              <a:t>Notably, there isn’t a strong linear relationship among most variables, except humidity and temperature. This observed correlation suggests that humidity may could be a good linear predictor of temperature.</a:t>
             </a:r>
-            <a:r>
-              <a:rPr lang="en-US"/>
-              <a:t>unimodal, though temperature have a small ripple that one might take as evidence of </a:t>
-            </a:r>
-            <a:r>
-              <a:rPr lang="en-US" err="1"/>
-              <a:t>biomodality</a:t>
-            </a:r>
-            <a:r>
-              <a:rPr lang="en-US"/>
-              <a:t>.</a:t>
-            </a:r>
-          </a:p>
-          <a:p>
-            <a:r>
-              <a:rPr lang="en-US"/>
-              <a:t>There is a </a:t>
-            </a:r>
-            <a:r>
-              <a:rPr lang="en-US" b="1"/>
-              <a:t>positive correlation with temperature</a:t>
-            </a:r>
-            <a:r>
-              <a:rPr lang="en-US"/>
-              <a:t>, meaning some variables increase as temperature increases.</a:t>
-            </a:r>
-            <a:endParaRPr lang="en-US">
-              <a:ea typeface="等线" panose="020F0502020204030204"/>
-            </a:endParaRPr>
-          </a:p>
-          <a:p>
-            <a:r>
-              <a:rPr lang="en-US"/>
-              <a:t>Humidity, in particular, appears to be a </a:t>
-            </a:r>
-            <a:r>
-              <a:rPr lang="en-US" b="1"/>
-              <a:t>potential linear predictor of temperature</a:t>
-            </a:r>
-            <a:r>
-              <a:rPr lang="en-US"/>
-              <a:t>, which we will analyze further.</a:t>
-            </a:r>
-            <a:endParaRPr lang="en-US">
-              <a:ea typeface="等线" panose="020F0502020204030204"/>
-            </a:endParaRPr>
-          </a:p>
-          <a:p>
-            <a:endParaRPr lang="en-US">
-              <a:latin typeface="等线"/>
-              <a:ea typeface="等线"/>
-              <a:cs typeface="Calibri"/>
-            </a:endParaRPr>
           </a:p>
         </p:txBody>
       </p:sp>
@@ -3254,68 +877,13 @@
           <a:lstStyle/>
           <a:p>
             <a:r>
-              <a:rPr lang="en-US"/>
-              <a:t>This correlation matrix helps us understand the strength and direction of relationships between variables.</a:t>
+              <a:rPr lang="en-US" dirty="0">
+                <a:latin typeface="Calibri"/>
+                <a:ea typeface="Calibri"/>
+                <a:cs typeface="Calibri"/>
+              </a:rPr>
+              <a:t>Next, we examined the correlation matrix to identify the strength and direction of relationships. We see positive correlations between temperature and humidity, as well as between temperature and shortwave and between longwave radiation and shortwave radiation. Crucially, there aren’t any strong negative correlations, meaning no variables move in opposite directions to a significant degree.</a:t>
             </a:r>
-            <a:endParaRPr lang="zh-CN" altLang="en-US"/>
-          </a:p>
-          <a:p>
-            <a:pPr marL="171450" indent="-171450">
-              <a:buFont typeface="Arial"/>
-              <a:buChar char="•"/>
-            </a:pPr>
-            <a:r>
-              <a:rPr lang="en-US"/>
-              <a:t>We observe </a:t>
-            </a:r>
-            <a:r>
-              <a:rPr lang="en-US" b="1"/>
-              <a:t>positive correlations</a:t>
-            </a:r>
-            <a:r>
-              <a:rPr lang="en-US"/>
-              <a:t> between several variables.</a:t>
-            </a:r>
-            <a:endParaRPr lang="en-US">
-              <a:ea typeface="等线"/>
-            </a:endParaRPr>
-          </a:p>
-          <a:p>
-            <a:pPr marL="171450" indent="-171450">
-              <a:buFont typeface="Arial"/>
-              <a:buChar char="•"/>
-            </a:pPr>
-            <a:r>
-              <a:rPr lang="en-US"/>
-              <a:t>Importantly, there is a </a:t>
-            </a:r>
-            <a:r>
-              <a:rPr lang="en-US" b="1"/>
-              <a:t>lack of strong negative correlations</a:t>
-            </a:r>
-            <a:r>
-              <a:rPr lang="en-US"/>
-              <a:t>, which means no significant inverse relationships exist.</a:t>
-            </a:r>
-            <a:br>
-              <a:rPr lang="en-US">
-                <a:cs typeface="+mn-lt"/>
-              </a:rPr>
-            </a:br>
-            <a:r>
-              <a:rPr lang="en-US"/>
-              <a:t>This visualization helps us identify which factors might be useful for prediction.</a:t>
-            </a:r>
-            <a:endParaRPr lang="en-US">
-              <a:ea typeface="等线"/>
-            </a:endParaRPr>
-          </a:p>
-          <a:p>
-            <a:endParaRPr lang="en-US">
-              <a:latin typeface="Calibri"/>
-              <a:ea typeface="Calibri"/>
-              <a:cs typeface="Calibri"/>
-            </a:endParaRPr>
           </a:p>
         </p:txBody>
       </p:sp>
@@ -3405,102 +973,13 @@
           <a:lstStyle/>
           <a:p>
             <a:r>
-              <a:rPr lang="en-US" altLang="zh-CN">
-                <a:ea typeface="等线"/>
+              <a:rPr lang="en-US" altLang="zh-CN" dirty="0">
+                <a:latin typeface="Calibri"/>
+                <a:ea typeface="Calibri"/>
+                <a:cs typeface="Calibri"/>
               </a:rPr>
-              <a:t>let's analyze the relationship between temperature and humidity using a </a:t>
+              <a:t>We then ran simple linear regressions. The first, between temperature and humidity, yielded an R-squared of 0.768, indicating that humidity explains a large portion of temperature variation.</a:t>
             </a:r>
-            <a:r>
-              <a:rPr lang="en-US" altLang="zh-CN" b="1">
-                <a:ea typeface="等线"/>
-              </a:rPr>
-              <a:t>simple linear regression model</a:t>
-            </a:r>
-            <a:r>
-              <a:rPr lang="en-US" altLang="zh-CN">
-                <a:ea typeface="等线"/>
-              </a:rPr>
-              <a:t>.</a:t>
-            </a:r>
-            <a:endParaRPr lang="zh-CN">
-              <a:ea typeface="等线"/>
-            </a:endParaRPr>
-          </a:p>
-          <a:p>
-            <a:pPr marL="285750" indent="-285750">
-              <a:buFont typeface="Arial"/>
-              <a:buChar char="•"/>
-            </a:pPr>
-            <a:r>
-              <a:rPr lang="en-US" altLang="zh-CN">
-                <a:ea typeface="等线"/>
-              </a:rPr>
-              <a:t>The scatter plot shows a strong positive relationship.</a:t>
-            </a:r>
-            <a:endParaRPr lang="zh-CN">
-              <a:ea typeface="等线"/>
-            </a:endParaRPr>
-          </a:p>
-          <a:p>
-            <a:pPr marL="285750" indent="-285750">
-              <a:buFont typeface="Arial"/>
-              <a:buChar char="•"/>
-            </a:pPr>
-            <a:r>
-              <a:rPr lang="en-US" altLang="zh-CN">
-                <a:ea typeface="等线"/>
-              </a:rPr>
-              <a:t>The regression equation suggests that humidity significantly influences temperature.</a:t>
-            </a:r>
-            <a:endParaRPr lang="zh-CN">
-              <a:ea typeface="等线"/>
-            </a:endParaRPr>
-          </a:p>
-          <a:p>
-            <a:pPr marL="285750" indent="-285750">
-              <a:buFont typeface="Arial"/>
-              <a:buChar char="•"/>
-            </a:pPr>
-            <a:r>
-              <a:rPr lang="en-US" altLang="zh-CN">
-                <a:ea typeface="等线"/>
-              </a:rPr>
-              <a:t>The </a:t>
-            </a:r>
-            <a:r>
-              <a:rPr lang="en-US" altLang="zh-CN" b="1">
-                <a:ea typeface="等线"/>
-              </a:rPr>
-              <a:t>R-squared value is 0.768</a:t>
-            </a:r>
-            <a:r>
-              <a:rPr lang="en-US" altLang="zh-CN">
-                <a:ea typeface="等线"/>
-              </a:rPr>
-              <a:t>, indicating that humidity explains about </a:t>
-            </a:r>
-            <a:r>
-              <a:rPr lang="en-US" altLang="zh-CN" b="1">
-                <a:ea typeface="等线"/>
-              </a:rPr>
-              <a:t>76.8%</a:t>
-            </a:r>
-            <a:r>
-              <a:rPr lang="en-US" altLang="zh-CN">
-                <a:ea typeface="等线"/>
-              </a:rPr>
-              <a:t> of the variation in temperature.</a:t>
-            </a:r>
-            <a:endParaRPr lang="zh-CN">
-              <a:ea typeface="等线"/>
-            </a:endParaRPr>
-          </a:p>
-          <a:p>
-            <a:endParaRPr lang="en-US" altLang="zh-CN">
-              <a:latin typeface="Calibri"/>
-              <a:ea typeface="Calibri"/>
-              <a:cs typeface="Calibri"/>
-            </a:endParaRPr>
           </a:p>
         </p:txBody>
       </p:sp>
@@ -3585,45 +1064,12 @@
           <a:lstStyle/>
           <a:p>
             <a:r>
-              <a:rPr lang="en-US" altLang="zh-CN">
+              <a:rPr lang="en-US" altLang="zh-CN" dirty="0">
                 <a:ea typeface="等线"/>
               </a:rPr>
-              <a:t>Similarly, we examine the relationship between temperature and shortwave radiation.</a:t>
+              <a:t>In contrast, the regression with shortwave radiation showed a weaker relationship, with an R-squared of 0.367.</a:t>
             </a:r>
-            <a:endParaRPr lang="zh-CN">
-              <a:ea typeface="等线"/>
-            </a:endParaRPr>
-          </a:p>
-          <a:p>
-            <a:r>
-              <a:rPr lang="en-US" altLang="zh-CN">
-                <a:ea typeface="等线"/>
-              </a:rPr>
-              <a:t>The scatter plot again shows a positive trend, but the relationship is weaker.</a:t>
-            </a:r>
-            <a:endParaRPr lang="zh-CN">
-              <a:ea typeface="等线"/>
-            </a:endParaRPr>
-          </a:p>
-          <a:p>
-            <a:r>
-              <a:rPr lang="en-US" altLang="zh-CN">
-                <a:ea typeface="等线"/>
-              </a:rPr>
-              <a:t>The R-squared value is 0.367, meaning shortwave radiation explains only 36.7% of the temperature variation.</a:t>
-            </a:r>
-            <a:endParaRPr lang="zh-CN">
-              <a:ea typeface="等线"/>
-            </a:endParaRPr>
-          </a:p>
-          <a:p>
-            <a:r>
-              <a:rPr lang="en-US" altLang="zh-CN">
-                <a:ea typeface="等线"/>
-              </a:rPr>
-              <a:t>This suggests that while radiation is a factor, it is not as strong a predictor as humidity.</a:t>
-            </a:r>
-            <a:endParaRPr lang="zh-CN">
+            <a:endParaRPr lang="zh-CN" dirty="0">
               <a:ea typeface="等线"/>
             </a:endParaRPr>
           </a:p>
@@ -3710,147 +1156,13 @@
           <a:lstStyle/>
           <a:p>
             <a:r>
-              <a:rPr lang="en-US" altLang="zh-CN">
-                <a:ea typeface="等线"/>
+              <a:rPr lang="en-US" altLang="zh-CN" dirty="0">
+                <a:latin typeface="Calibri"/>
+                <a:ea typeface="Calibri"/>
+                <a:cs typeface="Calibri"/>
               </a:rPr>
-              <a:t>To improve our model, we now consider </a:t>
+              <a:t>To improve our model, we consider multiple variables in a multivariate linear regression, and the result, we can see the scatter plot here, is good. Regression plane has a good fit with observed data. The model has a explained variance of 93%, and the Variance Inflation Factor, which is a indicator for measuring the degree of multicollinearity in regression models, after calculation, are also close to 1, suggesting that multicollinearity among predictors is minimal. Looking ahead, we plan to add more variables and possibly use time-series features to further refine the model and enhance its predictive ability.</a:t>
             </a:r>
-            <a:r>
-              <a:rPr lang="en-US" altLang="zh-CN" b="1">
-                <a:ea typeface="等线"/>
-              </a:rPr>
-              <a:t>multiple variables</a:t>
-            </a:r>
-            <a:r>
-              <a:rPr lang="en-US" altLang="zh-CN">
-                <a:ea typeface="等线"/>
-              </a:rPr>
-              <a:t> in a </a:t>
-            </a:r>
-            <a:r>
-              <a:rPr lang="en-US" altLang="zh-CN" b="1">
-                <a:ea typeface="等线"/>
-              </a:rPr>
-              <a:t>multivariate linear regression</a:t>
-            </a:r>
-            <a:r>
-              <a:rPr lang="en-US" altLang="zh-CN">
-                <a:ea typeface="等线"/>
-              </a:rPr>
-              <a:t>.</a:t>
-            </a:r>
-            <a:endParaRPr lang="zh-CN">
-              <a:ea typeface="等线"/>
-            </a:endParaRPr>
-          </a:p>
-          <a:p>
-            <a:pPr marL="285750" indent="-285750">
-              <a:buFont typeface="Arial"/>
-              <a:buChar char="•"/>
-            </a:pPr>
-            <a:r>
-              <a:rPr lang="en-US" altLang="zh-CN">
-                <a:ea typeface="等线"/>
-              </a:rPr>
-              <a:t>The model has a </a:t>
-            </a:r>
-            <a:r>
-              <a:rPr lang="en-US" altLang="zh-CN" b="1">
-                <a:ea typeface="等线"/>
-              </a:rPr>
-              <a:t>high explained variance (93%)</a:t>
-            </a:r>
-            <a:r>
-              <a:rPr lang="en-US" altLang="zh-CN">
-                <a:ea typeface="等线"/>
-              </a:rPr>
-              <a:t>, meaning it captures most of the variability in temperature.</a:t>
-            </a:r>
-            <a:endParaRPr lang="zh-CN">
-              <a:ea typeface="等线"/>
-            </a:endParaRPr>
-          </a:p>
-          <a:p>
-            <a:pPr marL="285750" indent="-285750">
-              <a:buFont typeface="Arial"/>
-              <a:buChar char="•"/>
-            </a:pPr>
-            <a:r>
-              <a:rPr lang="en-US" altLang="zh-CN" b="1">
-                <a:ea typeface="等线"/>
-              </a:rPr>
-              <a:t>Low multicollinearity</a:t>
-            </a:r>
-            <a:r>
-              <a:rPr lang="en-US" altLang="zh-CN">
-                <a:ea typeface="等线"/>
-              </a:rPr>
-              <a:t> is observed, with Variance Inflation Factor (VIF) values close to 1.</a:t>
-            </a:r>
-            <a:endParaRPr lang="zh-CN">
-              <a:ea typeface="等线"/>
-            </a:endParaRPr>
-          </a:p>
-          <a:p>
-            <a:pPr marL="285750" indent="-285750">
-              <a:buFont typeface="Arial"/>
-              <a:buChar char="•"/>
-            </a:pPr>
-            <a:r>
-              <a:rPr lang="en-US" altLang="zh-CN">
-                <a:ea typeface="等线"/>
-              </a:rPr>
-              <a:t>This indicates that the predictors are independent and useful for prediction.</a:t>
-            </a:r>
-            <a:endParaRPr lang="zh-CN">
-              <a:ea typeface="等线"/>
-            </a:endParaRPr>
-          </a:p>
-          <a:p>
-            <a:pPr marL="285750" indent="-285750">
-              <a:buFont typeface="Arial"/>
-              <a:buChar char="•"/>
-            </a:pPr>
-            <a:r>
-              <a:rPr lang="en-US" altLang="zh-CN">
-                <a:ea typeface="等线"/>
-              </a:rPr>
-              <a:t>Further exploration could include </a:t>
-            </a:r>
-            <a:r>
-              <a:rPr lang="en-US" altLang="zh-CN" b="1">
-                <a:ea typeface="等线"/>
-              </a:rPr>
-              <a:t>additional variables</a:t>
-            </a:r>
-            <a:r>
-              <a:rPr lang="en-US" altLang="zh-CN">
-                <a:ea typeface="等线"/>
-              </a:rPr>
-              <a:t> or </a:t>
-            </a:r>
-            <a:r>
-              <a:rPr lang="en-US" altLang="zh-CN" b="1">
-                <a:ea typeface="等线"/>
-              </a:rPr>
-              <a:t>time-series analysis</a:t>
-            </a:r>
-            <a:r>
-              <a:rPr lang="en-US" altLang="zh-CN">
-                <a:ea typeface="等线"/>
-              </a:rPr>
-              <a:t>.</a:t>
-            </a:r>
-            <a:endParaRPr lang="zh-CN">
-              <a:ea typeface="等线"/>
-            </a:endParaRPr>
-          </a:p>
-          <a:p>
-            <a:endParaRPr lang="en-US" altLang="zh-CN">
-              <a:latin typeface="Calibri"/>
-              <a:ea typeface="Calibri"/>
-              <a:cs typeface="Calibri"/>
-            </a:endParaRPr>
           </a:p>
         </p:txBody>
       </p:sp>
@@ -4044,7 +1356,7 @@
           <a:p>
             <a:fld id="{3391A759-BFF8-4B5B-9ECE-D93AC303B331}" type="datetime1">
               <a:rPr lang="en-US" smtClean="0"/>
-              <a:t>2/19/2025</a:t>
+              <a:t>2/20/2025</a:t>
             </a:fld>
             <a:endParaRPr lang="en-US"/>
           </a:p>
@@ -4297,7 +1609,7 @@
           <a:p>
             <a:fld id="{6DFDF398-5DA3-4937-BE3F-7CA1B9158252}" type="datetime1">
               <a:rPr lang="en-US" smtClean="0"/>
-              <a:t>2/19/2025</a:t>
+              <a:t>2/20/2025</a:t>
             </a:fld>
             <a:endParaRPr lang="en-US"/>
           </a:p>
@@ -4505,7 +1817,7 @@
           <a:p>
             <a:fld id="{8F191ED9-F929-4A92-90F9-3C9C84ABBE83}" type="datetime1">
               <a:rPr lang="en-US" smtClean="0"/>
-              <a:t>2/19/2025</a:t>
+              <a:t>2/20/2025</a:t>
             </a:fld>
             <a:endParaRPr lang="en-US"/>
           </a:p>
@@ -4758,7 +2070,7 @@
           <a:p>
             <a:fld id="{EEBAB316-A2E6-49F2-825C-64AA951E4184}" type="datetime1">
               <a:rPr lang="en-US" smtClean="0"/>
-              <a:t>2/19/2025</a:t>
+              <a:t>2/20/2025</a:t>
             </a:fld>
             <a:endParaRPr lang="en-US"/>
           </a:p>
@@ -5035,7 +2347,7 @@
           <a:p>
             <a:fld id="{5AE9748B-ADD6-4C5A-8C2A-A39721276E74}" type="datetime1">
               <a:rPr lang="en-US" smtClean="0"/>
-              <a:t>2/19/2025</a:t>
+              <a:t>2/20/2025</a:t>
             </a:fld>
             <a:endParaRPr lang="en-US"/>
           </a:p>
@@ -5305,7 +2617,7 @@
           <a:p>
             <a:fld id="{7241FB0F-3C5C-4949-B933-9C7E511ED094}" type="datetime1">
               <a:rPr lang="en-US" smtClean="0"/>
-              <a:t>2/19/2025</a:t>
+              <a:t>2/20/2025</a:t>
             </a:fld>
             <a:endParaRPr lang="en-US"/>
           </a:p>
@@ -5790,7 +3102,7 @@
           <a:p>
             <a:fld id="{C2F01D58-E949-4BCB-829A-BBF80E38D59C}" type="datetime1">
               <a:rPr lang="en-US" smtClean="0"/>
-              <a:t>2/19/2025</a:t>
+              <a:t>2/20/2025</a:t>
             </a:fld>
             <a:endParaRPr lang="en-US"/>
           </a:p>
@@ -5931,7 +3243,7 @@
           <a:p>
             <a:fld id="{FF10A846-0DA4-4D92-9BF1-DE8C52C1F4DF}" type="datetime1">
               <a:rPr lang="en-US" smtClean="0"/>
-              <a:t>2/19/2025</a:t>
+              <a:t>2/20/2025</a:t>
             </a:fld>
             <a:endParaRPr lang="en-US"/>
           </a:p>
@@ -6044,7 +3356,7 @@
           <a:p>
             <a:fld id="{E9412331-4A9C-472F-A7FA-968157338839}" type="datetime1">
               <a:rPr lang="en-US" smtClean="0"/>
-              <a:t>2/19/2025</a:t>
+              <a:t>2/20/2025</a:t>
             </a:fld>
             <a:endParaRPr lang="en-US"/>
           </a:p>
@@ -6361,7 +3673,7 @@
           <a:p>
             <a:fld id="{A2197F3D-ED52-43FD-A26D-318B71534485}" type="datetime1">
               <a:rPr lang="en-US" smtClean="0"/>
-              <a:t>2/19/2025</a:t>
+              <a:t>2/20/2025</a:t>
             </a:fld>
             <a:endParaRPr lang="en-US"/>
           </a:p>
@@ -6656,7 +3968,7 @@
           <a:p>
             <a:fld id="{3D291FA4-6264-4BB8-B3B5-77711EED2D82}" type="datetime1">
               <a:rPr lang="en-US" smtClean="0"/>
-              <a:t>2/19/2025</a:t>
+              <a:t>2/20/2025</a:t>
             </a:fld>
             <a:endParaRPr lang="en-US"/>
           </a:p>
@@ -6895,7 +4207,7 @@
           <a:p>
             <a:fld id="{E7F6A1D9-D323-4F4E-8655-25E2D32CE742}" type="datetime1">
               <a:rPr lang="en-US" smtClean="0"/>
-              <a:t>2/19/2025</a:t>
+              <a:t>2/20/2025</a:t>
             </a:fld>
             <a:endParaRPr lang="en-US"/>
           </a:p>
@@ -21552,7 +18864,7 @@
         <p:spPr>
           <a:xfrm>
             <a:off x="-4099" y="2208825"/>
-            <a:ext cx="4383814" cy="3451965"/>
+            <a:ext cx="4409844" cy="3451965"/>
           </a:xfrm>
           <a:prstGeom prst="rect">
             <a:avLst/>
@@ -21732,17 +19044,17 @@
               <a:buChar char="•"/>
             </a:pPr>
             <a:r>
-              <a:rPr lang="en-GB" sz="2400" i="0">
+              <a:rPr lang="en-GB" sz="2400" i="0" dirty="0">
                 <a:ea typeface="+mn-lt"/>
                 <a:cs typeface="+mn-lt"/>
               </a:rPr>
               <a:t>Positive Correlation</a:t>
             </a:r>
-            <a:endParaRPr lang="en-GB" sz="2400" i="0"/>
+            <a:endParaRPr lang="en-GB" sz="2400" i="0" dirty="0"/>
           </a:p>
           <a:p>
             <a:r>
-              <a:rPr lang="en-GB" sz="1800" i="0">
+              <a:rPr lang="en-GB" sz="1800" i="0" dirty="0">
                 <a:ea typeface="+mn-lt"/>
                 <a:cs typeface="+mn-lt"/>
               </a:rPr>
@@ -21751,30 +19063,37 @@
           </a:p>
           <a:p>
             <a:r>
-              <a:rPr lang="en-GB" sz="1800" i="0">
+              <a:rPr lang="en-US" altLang="zh-CN" sz="1800" i="0" dirty="0">
+                <a:ea typeface="+mn-lt"/>
+                <a:cs typeface="+mn-lt"/>
+              </a:rPr>
+              <a:t>Shortwave </a:t>
+            </a:r>
+            <a:r>
+              <a:rPr lang="en-GB" sz="1800" i="0" dirty="0">
                 <a:ea typeface="+mn-lt"/>
                 <a:cs typeface="+mn-lt"/>
               </a:rPr>
               <a:t>Radiation &amp; Temperature</a:t>
             </a:r>
-            <a:endParaRPr lang="en-GB"/>
+            <a:endParaRPr lang="en-GB" dirty="0"/>
           </a:p>
           <a:p>
             <a:r>
-              <a:rPr lang="en-GB" sz="1800" i="0">
+              <a:rPr lang="en-GB" sz="1800" i="0" dirty="0">
                 <a:ea typeface="+mn-lt"/>
                 <a:cs typeface="+mn-lt"/>
               </a:rPr>
-              <a:t>Shortwave radiation &amp; Longwave radiation</a:t>
+              <a:t>Shortwave Radiation &amp; Longwave radiation</a:t>
             </a:r>
-            <a:endParaRPr lang="en-GB"/>
+            <a:endParaRPr lang="en-GB" dirty="0"/>
           </a:p>
           <a:p>
             <a:pPr marL="342900" indent="-342900">
               <a:buFont typeface="Arial"/>
               <a:buChar char="•"/>
             </a:pPr>
-            <a:endParaRPr lang="en-GB" sz="2400" i="0">
+            <a:endParaRPr lang="en-GB" sz="2400" i="0" dirty="0">
               <a:ea typeface="+mn-lt"/>
               <a:cs typeface="+mn-lt"/>
             </a:endParaRPr>
@@ -21785,20 +19104,20 @@
               <a:buChar char="•"/>
             </a:pPr>
             <a:r>
-              <a:rPr lang="en-GB" sz="2400" i="0">
+              <a:rPr lang="en-GB" sz="2400" i="0" dirty="0">
                 <a:ea typeface="+mn-lt"/>
                 <a:cs typeface="+mn-lt"/>
               </a:rPr>
               <a:t>Lack of Strong Negative Correlations</a:t>
             </a:r>
-            <a:endParaRPr lang="en-GB" sz="2400" i="0"/>
+            <a:endParaRPr lang="en-GB" sz="2400" i="0" dirty="0"/>
           </a:p>
           <a:p>
             <a:pPr marL="342900" indent="-342900">
               <a:buFont typeface="Arial"/>
               <a:buChar char="•"/>
             </a:pPr>
-            <a:endParaRPr lang="en-GB" sz="2000"/>
+            <a:endParaRPr lang="en-GB" sz="2000" dirty="0"/>
           </a:p>
         </p:txBody>
       </p:sp>
